--- a/support/presentation/Introduction - A Hands-on Exploration of the Azure OpenAI API.pptx
+++ b/support/presentation/Introduction - A Hands-on Exploration of the Azure OpenAI API.pptx
@@ -5,7 +5,7 @@
     <p:sldMasterId id="2147483774" r:id="rId4"/>
   </p:sldMasterIdLst>
   <p:notesMasterIdLst>
-    <p:notesMasterId r:id="rId18"/>
+    <p:notesMasterId r:id="rId17"/>
   </p:notesMasterIdLst>
   <p:sldIdLst>
     <p:sldId id="527" r:id="rId5"/>
@@ -15,12 +15,11 @@
     <p:sldId id="530" r:id="rId9"/>
     <p:sldId id="537" r:id="rId10"/>
     <p:sldId id="538" r:id="rId11"/>
-    <p:sldId id="534" r:id="rId12"/>
-    <p:sldId id="508" r:id="rId13"/>
-    <p:sldId id="512" r:id="rId14"/>
-    <p:sldId id="535" r:id="rId15"/>
-    <p:sldId id="525" r:id="rId16"/>
-    <p:sldId id="458" r:id="rId17"/>
+    <p:sldId id="508" r:id="rId12"/>
+    <p:sldId id="512" r:id="rId13"/>
+    <p:sldId id="535" r:id="rId14"/>
+    <p:sldId id="525" r:id="rId15"/>
+    <p:sldId id="458" r:id="rId16"/>
   </p:sldIdLst>
   <p:sldSz cx="12192000" cy="6858000"/>
   <p:notesSz cx="6858000" cy="9144000"/>
@@ -431,7 +430,7 @@
           <a:p>
             <a:fld id="{FE6B898C-B74D-46D1-ACCA-FAF5A1210643}" type="datetimeFigureOut">
               <a:rPr lang="de-DE" smtClean="0"/>
-              <a:t>25.05.2025</a:t>
+              <a:t>27.05.2025</a:t>
             </a:fld>
             <a:endParaRPr lang="de-DE"/>
           </a:p>
@@ -1613,7 +1612,33 @@
                 </a:highlight>
                 <a:latin typeface="-apple-system"/>
               </a:rPr>
-              <a:t>Prompt engineering involves crafting a structurally optimized text prompt to guide and influence the model’s output. It aims to achieve the desired contextual and formatted response that aligns with the user’s model output expectations while minimizing the inherent biases of the underlying language model.</a:t>
+              <a:t>Retrieval Augmented Generation (RAG) is a retrieval strategy aimed at enhancing language models by providing them with supplementary information, a process also known as grounding. Rather than solely depending on the model’s existing knowledge, we can add proprietary data into the model prompt to guide it to more precise and domain-specific responses. It’s important to note that the model is </a:t>
+            </a:r>
+            <a:r>
+              <a:rPr lang="en-US" b="1" i="0" dirty="0">
+                <a:solidFill>
+                  <a:srgbClr val="1F2328"/>
+                </a:solidFill>
+                <a:effectLst/>
+                <a:highlight>
+                  <a:srgbClr val="FFFFFF"/>
+                </a:highlight>
+                <a:latin typeface="-apple-system"/>
+              </a:rPr>
+              <a:t>not</a:t>
+            </a:r>
+            <a:r>
+              <a:rPr lang="en-US" b="0" i="0" dirty="0">
+                <a:solidFill>
+                  <a:srgbClr val="1F2328"/>
+                </a:solidFill>
+                <a:effectLst/>
+                <a:highlight>
+                  <a:srgbClr val="FFFFFF"/>
+                </a:highlight>
+                <a:latin typeface="-apple-system"/>
+              </a:rPr>
+              <a:t> re-trained on the new data. The new data is only used as an additional prompt input, acting similarly to one-shot learning.</a:t>
             </a:r>
             <a:endParaRPr lang="de-CH" dirty="0"/>
           </a:p>
@@ -1645,7 +1670,7 @@
     </p:spTree>
     <p:extLst>
       <p:ext uri="{BB962C8B-B14F-4D97-AF65-F5344CB8AC3E}">
-        <p14:creationId xmlns:p14="http://schemas.microsoft.com/office/powerpoint/2010/main" val="1078270832"/>
+        <p14:creationId xmlns:p14="http://schemas.microsoft.com/office/powerpoint/2010/main" val="2416448451"/>
       </p:ext>
     </p:extLst>
   </p:cSld>
@@ -1710,33 +1735,7 @@
                 </a:highlight>
                 <a:latin typeface="-apple-system"/>
               </a:rPr>
-              <a:t>Retrieval Augmented Generation (RAG) is a retrieval strategy aimed at enhancing language models by providing them with supplementary information, a process also known as grounding. Rather than solely depending on the model’s existing knowledge, we can add proprietary data into the model prompt to guide it to more precise and domain-specific responses. It’s important to note that the model is </a:t>
-            </a:r>
-            <a:r>
-              <a:rPr lang="en-US" b="1" i="0" dirty="0">
-                <a:solidFill>
-                  <a:srgbClr val="1F2328"/>
-                </a:solidFill>
-                <a:effectLst/>
-                <a:highlight>
-                  <a:srgbClr val="FFFFFF"/>
-                </a:highlight>
-                <a:latin typeface="-apple-system"/>
-              </a:rPr>
-              <a:t>not</a:t>
-            </a:r>
-            <a:r>
-              <a:rPr lang="en-US" b="0" i="0" dirty="0">
-                <a:solidFill>
-                  <a:srgbClr val="1F2328"/>
-                </a:solidFill>
-                <a:effectLst/>
-                <a:highlight>
-                  <a:srgbClr val="FFFFFF"/>
-                </a:highlight>
-                <a:latin typeface="-apple-system"/>
-              </a:rPr>
-              <a:t> re-trained on the new data. The new data is only used as an additional prompt input, acting similarly to one-shot learning.</a:t>
+              <a:t>Fine-tuning is a technique used to re-train a pre-trained model using a new foundation of information i.e. training data, to suit a specific task.</a:t>
             </a:r>
             <a:endParaRPr lang="de-CH" dirty="0"/>
           </a:p>
@@ -1760,103 +1759,6 @@
             <a:fld id="{A5E28377-8973-4E62-9790-FD2DC934A093}" type="slidenum">
               <a:rPr lang="de-DE" smtClean="0"/>
               <a:t>9</a:t>
-            </a:fld>
-            <a:endParaRPr lang="de-DE"/>
-          </a:p>
-        </p:txBody>
-      </p:sp>
-    </p:spTree>
-    <p:extLst>
-      <p:ext uri="{BB962C8B-B14F-4D97-AF65-F5344CB8AC3E}">
-        <p14:creationId xmlns:p14="http://schemas.microsoft.com/office/powerpoint/2010/main" val="2416448451"/>
-      </p:ext>
-    </p:extLst>
-  </p:cSld>
-  <p:clrMapOvr>
-    <a:masterClrMapping/>
-  </p:clrMapOvr>
-</p:notes>
-</file>
-
-<file path=ppt/notesSlides/notesSlide8.xml><?xml version="1.0" encoding="utf-8"?>
-<p:notes xmlns:a="http://schemas.openxmlformats.org/drawingml/2006/main" xmlns:r="http://schemas.openxmlformats.org/officeDocument/2006/relationships" xmlns:p="http://schemas.openxmlformats.org/presentationml/2006/main">
-  <p:cSld>
-    <p:spTree>
-      <p:nvGrpSpPr>
-        <p:cNvPr id="1" name=""/>
-        <p:cNvGrpSpPr/>
-        <p:nvPr/>
-      </p:nvGrpSpPr>
-      <p:grpSpPr>
-        <a:xfrm>
-          <a:off x="0" y="0"/>
-          <a:ext cx="0" cy="0"/>
-          <a:chOff x="0" y="0"/>
-          <a:chExt cx="0" cy="0"/>
-        </a:xfrm>
-      </p:grpSpPr>
-      <p:sp>
-        <p:nvSpPr>
-          <p:cNvPr id="2" name="Folienbildplatzhalter 1"/>
-          <p:cNvSpPr>
-            <a:spLocks noGrp="1" noRot="1" noChangeAspect="1"/>
-          </p:cNvSpPr>
-          <p:nvPr>
-            <p:ph type="sldImg"/>
-          </p:nvPr>
-        </p:nvSpPr>
-        <p:spPr/>
-      </p:sp>
-      <p:sp>
-        <p:nvSpPr>
-          <p:cNvPr id="3" name="Notizenplatzhalter 2"/>
-          <p:cNvSpPr>
-            <a:spLocks noGrp="1"/>
-          </p:cNvSpPr>
-          <p:nvPr>
-            <p:ph type="body" idx="1"/>
-          </p:nvPr>
-        </p:nvSpPr>
-        <p:spPr/>
-        <p:txBody>
-          <a:bodyPr/>
-          <a:lstStyle/>
-          <a:p>
-            <a:r>
-              <a:rPr lang="en-US" b="0" i="0" dirty="0">
-                <a:solidFill>
-                  <a:srgbClr val="1F2328"/>
-                </a:solidFill>
-                <a:effectLst/>
-                <a:highlight>
-                  <a:srgbClr val="FFFFFF"/>
-                </a:highlight>
-                <a:latin typeface="-apple-system"/>
-              </a:rPr>
-              <a:t>Fine-tuning is a technique used to re-train a pre-trained model using a new foundation of information i.e. training data, to suit a specific task.</a:t>
-            </a:r>
-            <a:endParaRPr lang="de-CH" dirty="0"/>
-          </a:p>
-        </p:txBody>
-      </p:sp>
-      <p:sp>
-        <p:nvSpPr>
-          <p:cNvPr id="4" name="Foliennummernplatzhalter 3"/>
-          <p:cNvSpPr>
-            <a:spLocks noGrp="1"/>
-          </p:cNvSpPr>
-          <p:nvPr>
-            <p:ph type="sldNum" sz="quarter" idx="5"/>
-          </p:nvPr>
-        </p:nvSpPr>
-        <p:spPr/>
-        <p:txBody>
-          <a:bodyPr/>
-          <a:lstStyle/>
-          <a:p>
-            <a:fld id="{A5E28377-8973-4E62-9790-FD2DC934A093}" type="slidenum">
-              <a:rPr lang="de-DE" smtClean="0"/>
-              <a:t>10</a:t>
             </a:fld>
             <a:endParaRPr lang="de-DE"/>
           </a:p>
@@ -2394,7 +2296,7 @@
           </a:ln>
           <a:extLst>
             <a:ext uri="{C572A759-6A51-4108-AA02-DFA0A04FC94B}">
-              <ma14:wrappingTextBoxFlag xmlns:ma14="http://schemas.microsoft.com/office/mac/drawingml/2011/main" xmlns="" val="1"/>
+              <ma14:wrappingTextBoxFlag xmlns="" xmlns:ma14="http://schemas.microsoft.com/office/mac/drawingml/2011/main" val="1"/>
             </a:ext>
           </a:extLst>
         </p:spPr>
@@ -2539,7 +2441,7 @@
           </a:ln>
           <a:extLst>
             <a:ext uri="{C572A759-6A51-4108-AA02-DFA0A04FC94B}">
-              <ma14:wrappingTextBoxFlag xmlns:ma14="http://schemas.microsoft.com/office/mac/drawingml/2011/main" xmlns="" val="1"/>
+              <ma14:wrappingTextBoxFlag xmlns="" xmlns:ma14="http://schemas.microsoft.com/office/mac/drawingml/2011/main" val="1"/>
             </a:ext>
           </a:extLst>
         </p:spPr>
@@ -2897,7 +2799,7 @@
           </a:ln>
           <a:extLst>
             <a:ext uri="{C572A759-6A51-4108-AA02-DFA0A04FC94B}">
-              <ma14:wrappingTextBoxFlag xmlns:ma14="http://schemas.microsoft.com/office/mac/drawingml/2011/main" xmlns="" val="1"/>
+              <ma14:wrappingTextBoxFlag xmlns="" xmlns:ma14="http://schemas.microsoft.com/office/mac/drawingml/2011/main" val="1"/>
             </a:ext>
           </a:extLst>
         </p:spPr>
@@ -2989,7 +2891,7 @@
           </a:ln>
           <a:extLst>
             <a:ext uri="{C572A759-6A51-4108-AA02-DFA0A04FC94B}">
-              <ma14:wrappingTextBoxFlag xmlns:ma14="http://schemas.microsoft.com/office/mac/drawingml/2011/main" xmlns="" val="1"/>
+              <ma14:wrappingTextBoxFlag xmlns="" xmlns:ma14="http://schemas.microsoft.com/office/mac/drawingml/2011/main" val="1"/>
             </a:ext>
           </a:extLst>
         </p:spPr>
@@ -3361,7 +3263,7 @@
           </a:ln>
           <a:extLst>
             <a:ext uri="{C572A759-6A51-4108-AA02-DFA0A04FC94B}">
-              <ma14:wrappingTextBoxFlag xmlns="" xmlns:ma14="http://schemas.microsoft.com/office/mac/drawingml/2011/main" val="1"/>
+              <ma14:wrappingTextBoxFlag xmlns:ma14="http://schemas.microsoft.com/office/mac/drawingml/2011/main" xmlns="" val="1"/>
             </a:ext>
           </a:extLst>
         </p:spPr>
@@ -3453,7 +3355,7 @@
           </a:ln>
           <a:extLst>
             <a:ext uri="{C572A759-6A51-4108-AA02-DFA0A04FC94B}">
-              <ma14:wrappingTextBoxFlag xmlns="" xmlns:ma14="http://schemas.microsoft.com/office/mac/drawingml/2011/main" val="1"/>
+              <ma14:wrappingTextBoxFlag xmlns:ma14="http://schemas.microsoft.com/office/mac/drawingml/2011/main" xmlns="" val="1"/>
             </a:ext>
           </a:extLst>
         </p:spPr>
@@ -3711,7 +3613,7 @@
           </a:ln>
           <a:extLst>
             <a:ext uri="{C572A759-6A51-4108-AA02-DFA0A04FC94B}">
-              <ma14:wrappingTextBoxFlag xmlns="" xmlns:ma14="http://schemas.microsoft.com/office/mac/drawingml/2011/main" val="1"/>
+              <ma14:wrappingTextBoxFlag xmlns:ma14="http://schemas.microsoft.com/office/mac/drawingml/2011/main" xmlns="" val="1"/>
             </a:ext>
           </a:extLst>
         </p:spPr>
@@ -3773,7 +3675,7 @@
           </a:ln>
           <a:extLst>
             <a:ext uri="{C572A759-6A51-4108-AA02-DFA0A04FC94B}">
-              <ma14:wrappingTextBoxFlag xmlns="" xmlns:ma14="http://schemas.microsoft.com/office/mac/drawingml/2011/main" val="1"/>
+              <ma14:wrappingTextBoxFlag xmlns:ma14="http://schemas.microsoft.com/office/mac/drawingml/2011/main" xmlns="" val="1"/>
             </a:ext>
           </a:extLst>
         </p:spPr>
@@ -4153,7 +4055,7 @@
           </a:ln>
           <a:extLst>
             <a:ext uri="{C572A759-6A51-4108-AA02-DFA0A04FC94B}">
-              <ma14:wrappingTextBoxFlag xmlns:ma14="http://schemas.microsoft.com/office/mac/drawingml/2011/main" xmlns="" val="1"/>
+              <ma14:wrappingTextBoxFlag xmlns="" xmlns:ma14="http://schemas.microsoft.com/office/mac/drawingml/2011/main" val="1"/>
             </a:ext>
           </a:extLst>
         </p:spPr>
@@ -4215,7 +4117,7 @@
           </a:ln>
           <a:extLst>
             <a:ext uri="{C572A759-6A51-4108-AA02-DFA0A04FC94B}">
-              <ma14:wrappingTextBoxFlag xmlns:ma14="http://schemas.microsoft.com/office/mac/drawingml/2011/main" xmlns="" val="1"/>
+              <ma14:wrappingTextBoxFlag xmlns="" xmlns:ma14="http://schemas.microsoft.com/office/mac/drawingml/2011/main" val="1"/>
             </a:ext>
           </a:extLst>
         </p:spPr>
@@ -4437,7 +4339,7 @@
           </a:ln>
           <a:extLst>
             <a:ext uri="{C572A759-6A51-4108-AA02-DFA0A04FC94B}">
-              <ma14:wrappingTextBoxFlag xmlns="" xmlns:ma14="http://schemas.microsoft.com/office/mac/drawingml/2011/main" val="1"/>
+              <ma14:wrappingTextBoxFlag xmlns:ma14="http://schemas.microsoft.com/office/mac/drawingml/2011/main" xmlns="" val="1"/>
             </a:ext>
           </a:extLst>
         </p:spPr>
@@ -4499,7 +4401,7 @@
           </a:ln>
           <a:extLst>
             <a:ext uri="{C572A759-6A51-4108-AA02-DFA0A04FC94B}">
-              <ma14:wrappingTextBoxFlag xmlns="" xmlns:ma14="http://schemas.microsoft.com/office/mac/drawingml/2011/main" val="1"/>
+              <ma14:wrappingTextBoxFlag xmlns:ma14="http://schemas.microsoft.com/office/mac/drawingml/2011/main" xmlns="" val="1"/>
             </a:ext>
           </a:extLst>
         </p:spPr>
@@ -4766,7 +4668,7 @@
           </a:ln>
           <a:extLst>
             <a:ext uri="{C572A759-6A51-4108-AA02-DFA0A04FC94B}">
-              <ma14:wrappingTextBoxFlag xmlns:ma14="http://schemas.microsoft.com/office/mac/drawingml/2011/main" xmlns="" val="1"/>
+              <ma14:wrappingTextBoxFlag xmlns="" xmlns:ma14="http://schemas.microsoft.com/office/mac/drawingml/2011/main" val="1"/>
             </a:ext>
           </a:extLst>
         </p:spPr>
@@ -4828,7 +4730,7 @@
           </a:ln>
           <a:extLst>
             <a:ext uri="{C572A759-6A51-4108-AA02-DFA0A04FC94B}">
-              <ma14:wrappingTextBoxFlag xmlns:ma14="http://schemas.microsoft.com/office/mac/drawingml/2011/main" xmlns="" val="1"/>
+              <ma14:wrappingTextBoxFlag xmlns="" xmlns:ma14="http://schemas.microsoft.com/office/mac/drawingml/2011/main" val="1"/>
             </a:ext>
           </a:extLst>
         </p:spPr>
@@ -5235,7 +5137,7 @@
           </a:ln>
           <a:extLst>
             <a:ext uri="{C572A759-6A51-4108-AA02-DFA0A04FC94B}">
-              <ma14:wrappingTextBoxFlag xmlns="" xmlns:ma14="http://schemas.microsoft.com/office/mac/drawingml/2011/main" val="1"/>
+              <ma14:wrappingTextBoxFlag xmlns:ma14="http://schemas.microsoft.com/office/mac/drawingml/2011/main" xmlns="" val="1"/>
             </a:ext>
           </a:extLst>
         </p:spPr>
@@ -5380,7 +5282,7 @@
           </a:ln>
           <a:extLst>
             <a:ext uri="{C572A759-6A51-4108-AA02-DFA0A04FC94B}">
-              <ma14:wrappingTextBoxFlag xmlns:ma14="http://schemas.microsoft.com/office/mac/drawingml/2011/main" xmlns="" val="1"/>
+              <ma14:wrappingTextBoxFlag xmlns="" xmlns:ma14="http://schemas.microsoft.com/office/mac/drawingml/2011/main" val="1"/>
             </a:ext>
           </a:extLst>
         </p:spPr>
@@ -5791,7 +5693,7 @@
           </a:ln>
           <a:extLst>
             <a:ext uri="{C572A759-6A51-4108-AA02-DFA0A04FC94B}">
-              <ma14:wrappingTextBoxFlag xmlns="" xmlns:ma14="http://schemas.microsoft.com/office/mac/drawingml/2011/main" val="1"/>
+              <ma14:wrappingTextBoxFlag xmlns:ma14="http://schemas.microsoft.com/office/mac/drawingml/2011/main" xmlns="" val="1"/>
             </a:ext>
           </a:extLst>
         </p:spPr>
@@ -5853,7 +5755,7 @@
           </a:ln>
           <a:extLst>
             <a:ext uri="{C572A759-6A51-4108-AA02-DFA0A04FC94B}">
-              <ma14:wrappingTextBoxFlag xmlns="" xmlns:ma14="http://schemas.microsoft.com/office/mac/drawingml/2011/main" val="1"/>
+              <ma14:wrappingTextBoxFlag xmlns:ma14="http://schemas.microsoft.com/office/mac/drawingml/2011/main" xmlns="" val="1"/>
             </a:ext>
           </a:extLst>
         </p:spPr>
@@ -6091,7 +5993,7 @@
           </a:ln>
           <a:extLst>
             <a:ext uri="{C572A759-6A51-4108-AA02-DFA0A04FC94B}">
-              <ma14:wrappingTextBoxFlag xmlns:ma14="http://schemas.microsoft.com/office/mac/drawingml/2011/main" xmlns="" val="1"/>
+              <ma14:wrappingTextBoxFlag xmlns="" xmlns:ma14="http://schemas.microsoft.com/office/mac/drawingml/2011/main" val="1"/>
             </a:ext>
           </a:extLst>
         </p:spPr>
@@ -6153,7 +6055,7 @@
           </a:ln>
           <a:extLst>
             <a:ext uri="{C572A759-6A51-4108-AA02-DFA0A04FC94B}">
-              <ma14:wrappingTextBoxFlag xmlns:ma14="http://schemas.microsoft.com/office/mac/drawingml/2011/main" xmlns="" val="1"/>
+              <ma14:wrappingTextBoxFlag xmlns="" xmlns:ma14="http://schemas.microsoft.com/office/mac/drawingml/2011/main" val="1"/>
             </a:ext>
           </a:extLst>
         </p:spPr>
@@ -6328,7 +6230,7 @@
           </a:ln>
           <a:extLst>
             <a:ext uri="{C572A759-6A51-4108-AA02-DFA0A04FC94B}">
-              <ma14:wrappingTextBoxFlag xmlns:ma14="http://schemas.microsoft.com/office/mac/drawingml/2011/main" xmlns="" val="1"/>
+              <ma14:wrappingTextBoxFlag xmlns="" xmlns:ma14="http://schemas.microsoft.com/office/mac/drawingml/2011/main" val="1"/>
             </a:ext>
           </a:extLst>
         </p:spPr>
@@ -6390,7 +6292,7 @@
           </a:ln>
           <a:extLst>
             <a:ext uri="{C572A759-6A51-4108-AA02-DFA0A04FC94B}">
-              <ma14:wrappingTextBoxFlag xmlns:ma14="http://schemas.microsoft.com/office/mac/drawingml/2011/main" xmlns="" val="1"/>
+              <ma14:wrappingTextBoxFlag xmlns="" xmlns:ma14="http://schemas.microsoft.com/office/mac/drawingml/2011/main" val="1"/>
             </a:ext>
           </a:extLst>
         </p:spPr>
@@ -6716,7 +6618,7 @@
           </a:ln>
           <a:extLst>
             <a:ext uri="{C572A759-6A51-4108-AA02-DFA0A04FC94B}">
-              <ma14:wrappingTextBoxFlag xmlns="" xmlns:ma14="http://schemas.microsoft.com/office/mac/drawingml/2011/main" val="1"/>
+              <ma14:wrappingTextBoxFlag xmlns:ma14="http://schemas.microsoft.com/office/mac/drawingml/2011/main" xmlns="" val="1"/>
             </a:ext>
           </a:extLst>
         </p:spPr>
@@ -6778,7 +6680,7 @@
           </a:ln>
           <a:extLst>
             <a:ext uri="{C572A759-6A51-4108-AA02-DFA0A04FC94B}">
-              <ma14:wrappingTextBoxFlag xmlns="" xmlns:ma14="http://schemas.microsoft.com/office/mac/drawingml/2011/main" val="1"/>
+              <ma14:wrappingTextBoxFlag xmlns:ma14="http://schemas.microsoft.com/office/mac/drawingml/2011/main" xmlns="" val="1"/>
             </a:ext>
           </a:extLst>
         </p:spPr>
@@ -7000,7 +6902,7 @@
           </a:ln>
           <a:extLst>
             <a:ext uri="{C572A759-6A51-4108-AA02-DFA0A04FC94B}">
-              <ma14:wrappingTextBoxFlag xmlns:ma14="http://schemas.microsoft.com/office/mac/drawingml/2011/main" xmlns="" val="1"/>
+              <ma14:wrappingTextBoxFlag xmlns="" xmlns:ma14="http://schemas.microsoft.com/office/mac/drawingml/2011/main" val="1"/>
             </a:ext>
           </a:extLst>
         </p:spPr>
@@ -7062,7 +6964,7 @@
           </a:ln>
           <a:extLst>
             <a:ext uri="{C572A759-6A51-4108-AA02-DFA0A04FC94B}">
-              <ma14:wrappingTextBoxFlag xmlns:ma14="http://schemas.microsoft.com/office/mac/drawingml/2011/main" xmlns="" val="1"/>
+              <ma14:wrappingTextBoxFlag xmlns="" xmlns:ma14="http://schemas.microsoft.com/office/mac/drawingml/2011/main" val="1"/>
             </a:ext>
           </a:extLst>
         </p:spPr>
@@ -7460,7 +7362,7 @@
           </a:ln>
           <a:extLst>
             <a:ext uri="{C572A759-6A51-4108-AA02-DFA0A04FC94B}">
-              <ma14:wrappingTextBoxFlag xmlns="" xmlns:ma14="http://schemas.microsoft.com/office/mac/drawingml/2011/main" val="1"/>
+              <ma14:wrappingTextBoxFlag xmlns:ma14="http://schemas.microsoft.com/office/mac/drawingml/2011/main" xmlns="" val="1"/>
             </a:ext>
           </a:extLst>
         </p:spPr>
@@ -7552,7 +7454,7 @@
           </a:ln>
           <a:extLst>
             <a:ext uri="{C572A759-6A51-4108-AA02-DFA0A04FC94B}">
-              <ma14:wrappingTextBoxFlag xmlns="" xmlns:ma14="http://schemas.microsoft.com/office/mac/drawingml/2011/main" val="1"/>
+              <ma14:wrappingTextBoxFlag xmlns:ma14="http://schemas.microsoft.com/office/mac/drawingml/2011/main" xmlns="" val="1"/>
             </a:ext>
           </a:extLst>
         </p:spPr>
@@ -7801,7 +7703,7 @@
           </a:ln>
           <a:extLst>
             <a:ext uri="{C572A759-6A51-4108-AA02-DFA0A04FC94B}">
-              <ma14:wrappingTextBoxFlag xmlns:ma14="http://schemas.microsoft.com/office/mac/drawingml/2011/main" xmlns="" val="1"/>
+              <ma14:wrappingTextBoxFlag xmlns="" xmlns:ma14="http://schemas.microsoft.com/office/mac/drawingml/2011/main" val="1"/>
             </a:ext>
           </a:extLst>
         </p:spPr>
@@ -7955,7 +7857,7 @@
           </a:ln>
           <a:extLst>
             <a:ext uri="{C572A759-6A51-4108-AA02-DFA0A04FC94B}">
-              <ma14:wrappingTextBoxFlag xmlns="" xmlns:ma14="http://schemas.microsoft.com/office/mac/drawingml/2011/main" val="1"/>
+              <ma14:wrappingTextBoxFlag xmlns:ma14="http://schemas.microsoft.com/office/mac/drawingml/2011/main" xmlns="" val="1"/>
             </a:ext>
           </a:extLst>
         </p:spPr>
@@ -8544,7 +8446,7 @@
           </a:ln>
           <a:extLst>
             <a:ext uri="{C572A759-6A51-4108-AA02-DFA0A04FC94B}">
-              <ma14:wrappingTextBoxFlag xmlns="" xmlns:ma14="http://schemas.microsoft.com/office/mac/drawingml/2011/main" val="1"/>
+              <ma14:wrappingTextBoxFlag xmlns:ma14="http://schemas.microsoft.com/office/mac/drawingml/2011/main" xmlns="" val="1"/>
             </a:ext>
           </a:extLst>
         </p:spPr>
@@ -8690,7 +8592,7 @@
           </a:ln>
           <a:extLst>
             <a:ext uri="{C572A759-6A51-4108-AA02-DFA0A04FC94B}">
-              <ma14:wrappingTextBoxFlag xmlns:ma14="http://schemas.microsoft.com/office/mac/drawingml/2011/main" xmlns="" val="1"/>
+              <ma14:wrappingTextBoxFlag xmlns="" xmlns:ma14="http://schemas.microsoft.com/office/mac/drawingml/2011/main" val="1"/>
             </a:ext>
           </a:extLst>
         </p:spPr>
@@ -8968,7 +8870,7 @@
           </a:ln>
           <a:extLst>
             <a:ext uri="{C572A759-6A51-4108-AA02-DFA0A04FC94B}">
-              <ma14:wrappingTextBoxFlag xmlns:ma14="http://schemas.microsoft.com/office/mac/drawingml/2011/main" xmlns="" val="1"/>
+              <ma14:wrappingTextBoxFlag xmlns="" xmlns:ma14="http://schemas.microsoft.com/office/mac/drawingml/2011/main" val="1"/>
             </a:ext>
           </a:extLst>
         </p:spPr>
@@ -9029,7 +8931,7 @@
           </a:ln>
           <a:extLst>
             <a:ext uri="{C572A759-6A51-4108-AA02-DFA0A04FC94B}">
-              <ma14:wrappingTextBoxFlag xmlns:ma14="http://schemas.microsoft.com/office/mac/drawingml/2011/main" xmlns="" val="1"/>
+              <ma14:wrappingTextBoxFlag xmlns="" xmlns:ma14="http://schemas.microsoft.com/office/mac/drawingml/2011/main" val="1"/>
             </a:ext>
           </a:extLst>
         </p:spPr>
@@ -9464,7 +9366,7 @@
           </a:ln>
           <a:extLst>
             <a:ext uri="{C572A759-6A51-4108-AA02-DFA0A04FC94B}">
-              <ma14:wrappingTextBoxFlag xmlns="" xmlns:ma14="http://schemas.microsoft.com/office/mac/drawingml/2011/main" val="1"/>
+              <ma14:wrappingTextBoxFlag xmlns:ma14="http://schemas.microsoft.com/office/mac/drawingml/2011/main" xmlns="" val="1"/>
             </a:ext>
           </a:extLst>
         </p:spPr>
@@ -9862,7 +9764,7 @@
           </a:ln>
           <a:extLst>
             <a:ext uri="{C572A759-6A51-4108-AA02-DFA0A04FC94B}">
-              <ma14:wrappingTextBoxFlag xmlns:ma14="http://schemas.microsoft.com/office/mac/drawingml/2011/main" xmlns="" val="1"/>
+              <ma14:wrappingTextBoxFlag xmlns="" xmlns:ma14="http://schemas.microsoft.com/office/mac/drawingml/2011/main" val="1"/>
             </a:ext>
           </a:extLst>
         </p:spPr>
@@ -10271,7 +10173,7 @@
           </a:ln>
           <a:extLst>
             <a:ext uri="{C572A759-6A51-4108-AA02-DFA0A04FC94B}">
-              <ma14:wrappingTextBoxFlag xmlns:ma14="http://schemas.microsoft.com/office/mac/drawingml/2011/main" xmlns="" val="1"/>
+              <ma14:wrappingTextBoxFlag xmlns="" xmlns:ma14="http://schemas.microsoft.com/office/mac/drawingml/2011/main" val="1"/>
             </a:ext>
           </a:extLst>
         </p:spPr>
@@ -10332,7 +10234,7 @@
           </a:ln>
           <a:extLst>
             <a:ext uri="{C572A759-6A51-4108-AA02-DFA0A04FC94B}">
-              <ma14:wrappingTextBoxFlag xmlns:ma14="http://schemas.microsoft.com/office/mac/drawingml/2011/main" xmlns="" val="1"/>
+              <ma14:wrappingTextBoxFlag xmlns="" xmlns:ma14="http://schemas.microsoft.com/office/mac/drawingml/2011/main" val="1"/>
             </a:ext>
           </a:extLst>
         </p:spPr>
@@ -11716,7 +11618,7 @@
           </a:ln>
           <a:extLst>
             <a:ext uri="{C572A759-6A51-4108-AA02-DFA0A04FC94B}">
-              <ma14:wrappingTextBoxFlag xmlns="" xmlns:ma14="http://schemas.microsoft.com/office/mac/drawingml/2011/main" val="1"/>
+              <ma14:wrappingTextBoxFlag xmlns:ma14="http://schemas.microsoft.com/office/mac/drawingml/2011/main" xmlns="" val="1"/>
             </a:ext>
           </a:extLst>
         </p:spPr>
@@ -11777,7 +11679,7 @@
           </a:ln>
           <a:extLst>
             <a:ext uri="{C572A759-6A51-4108-AA02-DFA0A04FC94B}">
-              <ma14:wrappingTextBoxFlag xmlns="" xmlns:ma14="http://schemas.microsoft.com/office/mac/drawingml/2011/main" val="1"/>
+              <ma14:wrappingTextBoxFlag xmlns:ma14="http://schemas.microsoft.com/office/mac/drawingml/2011/main" xmlns="" val="1"/>
             </a:ext>
           </a:extLst>
         </p:spPr>
@@ -13080,7 +12982,7 @@
           </a:ln>
           <a:extLst>
             <a:ext uri="{C572A759-6A51-4108-AA02-DFA0A04FC94B}">
-              <ma14:wrappingTextBoxFlag xmlns:ma14="http://schemas.microsoft.com/office/mac/drawingml/2011/main" xmlns="" val="1"/>
+              <ma14:wrappingTextBoxFlag xmlns="" xmlns:ma14="http://schemas.microsoft.com/office/mac/drawingml/2011/main" val="1"/>
             </a:ext>
           </a:extLst>
         </p:spPr>
@@ -13141,7 +13043,7 @@
           </a:ln>
           <a:extLst>
             <a:ext uri="{C572A759-6A51-4108-AA02-DFA0A04FC94B}">
-              <ma14:wrappingTextBoxFlag xmlns:ma14="http://schemas.microsoft.com/office/mac/drawingml/2011/main" xmlns="" val="1"/>
+              <ma14:wrappingTextBoxFlag xmlns="" xmlns:ma14="http://schemas.microsoft.com/office/mac/drawingml/2011/main" val="1"/>
             </a:ext>
           </a:extLst>
         </p:spPr>
@@ -14568,7 +14470,7 @@
           </a:ln>
           <a:extLst>
             <a:ext uri="{C572A759-6A51-4108-AA02-DFA0A04FC94B}">
-              <ma14:wrappingTextBoxFlag xmlns:ma14="http://schemas.microsoft.com/office/mac/drawingml/2011/main" xmlns="" val="1"/>
+              <ma14:wrappingTextBoxFlag xmlns="" xmlns:ma14="http://schemas.microsoft.com/office/mac/drawingml/2011/main" val="1"/>
             </a:ext>
           </a:extLst>
         </p:spPr>
@@ -14629,7 +14531,7 @@
           </a:ln>
           <a:extLst>
             <a:ext uri="{C572A759-6A51-4108-AA02-DFA0A04FC94B}">
-              <ma14:wrappingTextBoxFlag xmlns:ma14="http://schemas.microsoft.com/office/mac/drawingml/2011/main" xmlns="" val="1"/>
+              <ma14:wrappingTextBoxFlag xmlns="" xmlns:ma14="http://schemas.microsoft.com/office/mac/drawingml/2011/main" val="1"/>
             </a:ext>
           </a:extLst>
         </p:spPr>
@@ -14868,7 +14770,7 @@
           </a:ln>
           <a:extLst>
             <a:ext uri="{C572A759-6A51-4108-AA02-DFA0A04FC94B}">
-              <ma14:wrappingTextBoxFlag xmlns="" xmlns:ma14="http://schemas.microsoft.com/office/mac/drawingml/2011/main" val="1"/>
+              <ma14:wrappingTextBoxFlag xmlns:ma14="http://schemas.microsoft.com/office/mac/drawingml/2011/main" xmlns="" val="1"/>
             </a:ext>
           </a:extLst>
         </p:spPr>
@@ -14929,7 +14831,7 @@
           </a:ln>
           <a:extLst>
             <a:ext uri="{C572A759-6A51-4108-AA02-DFA0A04FC94B}">
-              <ma14:wrappingTextBoxFlag xmlns="" xmlns:ma14="http://schemas.microsoft.com/office/mac/drawingml/2011/main" val="1"/>
+              <ma14:wrappingTextBoxFlag xmlns:ma14="http://schemas.microsoft.com/office/mac/drawingml/2011/main" xmlns="" val="1"/>
             </a:ext>
           </a:extLst>
         </p:spPr>
@@ -15469,7 +15371,7 @@
           </a:ln>
           <a:extLst>
             <a:ext uri="{C572A759-6A51-4108-AA02-DFA0A04FC94B}">
-              <ma14:wrappingTextBoxFlag xmlns="" xmlns:ma14="http://schemas.microsoft.com/office/mac/drawingml/2011/main" val="1"/>
+              <ma14:wrappingTextBoxFlag xmlns:ma14="http://schemas.microsoft.com/office/mac/drawingml/2011/main" xmlns="" val="1"/>
             </a:ext>
           </a:extLst>
         </p:spPr>
@@ -15531,7 +15433,7 @@
           </a:ln>
           <a:extLst>
             <a:ext uri="{C572A759-6A51-4108-AA02-DFA0A04FC94B}">
-              <ma14:wrappingTextBoxFlag xmlns:ma14="http://schemas.microsoft.com/office/mac/drawingml/2011/main" xmlns="" val="1"/>
+              <ma14:wrappingTextBoxFlag xmlns="" xmlns:ma14="http://schemas.microsoft.com/office/mac/drawingml/2011/main" val="1"/>
             </a:ext>
           </a:extLst>
         </p:spPr>
@@ -16078,7 +15980,7 @@
           </a:ln>
           <a:extLst>
             <a:ext uri="{C572A759-6A51-4108-AA02-DFA0A04FC94B}">
-              <ma14:wrappingTextBoxFlag xmlns:ma14="http://schemas.microsoft.com/office/mac/drawingml/2011/main" xmlns="" val="1"/>
+              <ma14:wrappingTextBoxFlag xmlns="" xmlns:ma14="http://schemas.microsoft.com/office/mac/drawingml/2011/main" val="1"/>
             </a:ext>
           </a:extLst>
         </p:spPr>
@@ -16140,7 +16042,7 @@
           </a:ln>
           <a:extLst>
             <a:ext uri="{C572A759-6A51-4108-AA02-DFA0A04FC94B}">
-              <ma14:wrappingTextBoxFlag xmlns="" xmlns:ma14="http://schemas.microsoft.com/office/mac/drawingml/2011/main" val="1"/>
+              <ma14:wrappingTextBoxFlag xmlns:ma14="http://schemas.microsoft.com/office/mac/drawingml/2011/main" xmlns="" val="1"/>
             </a:ext>
           </a:extLst>
         </p:spPr>
@@ -17908,7 +17810,7 @@
           </a:ln>
           <a:extLst>
             <a:ext uri="{C572A759-6A51-4108-AA02-DFA0A04FC94B}">
-              <ma14:wrappingTextBoxFlag xmlns:ma14="http://schemas.microsoft.com/office/mac/drawingml/2011/main" xmlns="" val="1"/>
+              <ma14:wrappingTextBoxFlag xmlns="" xmlns:ma14="http://schemas.microsoft.com/office/mac/drawingml/2011/main" val="1"/>
             </a:ext>
           </a:extLst>
         </p:spPr>
@@ -18025,7 +17927,7 @@
           </a:ln>
           <a:extLst>
             <a:ext uri="{C572A759-6A51-4108-AA02-DFA0A04FC94B}">
-              <ma14:wrappingTextBoxFlag xmlns:ma14="http://schemas.microsoft.com/office/mac/drawingml/2011/main" xmlns="" val="1"/>
+              <ma14:wrappingTextBoxFlag xmlns="" xmlns:ma14="http://schemas.microsoft.com/office/mac/drawingml/2011/main" val="1"/>
             </a:ext>
           </a:extLst>
         </p:spPr>
@@ -18138,7 +18040,7 @@
           </a:ln>
           <a:extLst>
             <a:ext uri="{C572A759-6A51-4108-AA02-DFA0A04FC94B}">
-              <ma14:wrappingTextBoxFlag xmlns:ma14="http://schemas.microsoft.com/office/mac/drawingml/2011/main" xmlns="" val="1"/>
+              <ma14:wrappingTextBoxFlag xmlns="" xmlns:ma14="http://schemas.microsoft.com/office/mac/drawingml/2011/main" val="1"/>
             </a:ext>
           </a:extLst>
         </p:spPr>
@@ -20176,7 +20078,7 @@
           </a:ln>
           <a:extLst>
             <a:ext uri="{C572A759-6A51-4108-AA02-DFA0A04FC94B}">
-              <ma14:wrappingTextBoxFlag xmlns="" xmlns:ma14="http://schemas.microsoft.com/office/mac/drawingml/2011/main" val="1"/>
+              <ma14:wrappingTextBoxFlag xmlns:ma14="http://schemas.microsoft.com/office/mac/drawingml/2011/main" xmlns="" val="1"/>
             </a:ext>
           </a:extLst>
         </p:spPr>
@@ -20238,7 +20140,7 @@
           </a:ln>
           <a:extLst>
             <a:ext uri="{C572A759-6A51-4108-AA02-DFA0A04FC94B}">
-              <ma14:wrappingTextBoxFlag xmlns:ma14="http://schemas.microsoft.com/office/mac/drawingml/2011/main" xmlns="" val="1"/>
+              <ma14:wrappingTextBoxFlag xmlns="" xmlns:ma14="http://schemas.microsoft.com/office/mac/drawingml/2011/main" val="1"/>
             </a:ext>
           </a:extLst>
         </p:spPr>
@@ -20476,7 +20378,7 @@
           </a:ln>
           <a:extLst>
             <a:ext uri="{C572A759-6A51-4108-AA02-DFA0A04FC94B}">
-              <ma14:wrappingTextBoxFlag xmlns:ma14="http://schemas.microsoft.com/office/mac/drawingml/2011/main" xmlns="" val="1"/>
+              <ma14:wrappingTextBoxFlag xmlns="" xmlns:ma14="http://schemas.microsoft.com/office/mac/drawingml/2011/main" val="1"/>
             </a:ext>
           </a:extLst>
         </p:spPr>
@@ -20538,7 +20440,7 @@
           </a:ln>
           <a:extLst>
             <a:ext uri="{C572A759-6A51-4108-AA02-DFA0A04FC94B}">
-              <ma14:wrappingTextBoxFlag xmlns="" xmlns:ma14="http://schemas.microsoft.com/office/mac/drawingml/2011/main" val="1"/>
+              <ma14:wrappingTextBoxFlag xmlns:ma14="http://schemas.microsoft.com/office/mac/drawingml/2011/main" xmlns="" val="1"/>
             </a:ext>
           </a:extLst>
         </p:spPr>
@@ -20629,7 +20531,7 @@
           </a:ln>
           <a:extLst>
             <a:ext uri="{C572A759-6A51-4108-AA02-DFA0A04FC94B}">
-              <ma14:wrappingTextBoxFlag xmlns:ma14="http://schemas.microsoft.com/office/mac/drawingml/2011/main" xmlns="" val="1"/>
+              <ma14:wrappingTextBoxFlag xmlns="" xmlns:ma14="http://schemas.microsoft.com/office/mac/drawingml/2011/main" val="1"/>
             </a:ext>
           </a:extLst>
         </p:spPr>
@@ -20690,7 +20592,7 @@
           </a:ln>
           <a:extLst>
             <a:ext uri="{C572A759-6A51-4108-AA02-DFA0A04FC94B}">
-              <ma14:wrappingTextBoxFlag xmlns:ma14="http://schemas.microsoft.com/office/mac/drawingml/2011/main" xmlns="" val="1"/>
+              <ma14:wrappingTextBoxFlag xmlns="" xmlns:ma14="http://schemas.microsoft.com/office/mac/drawingml/2011/main" val="1"/>
             </a:ext>
           </a:extLst>
         </p:spPr>
@@ -21588,7 +21490,7 @@
           </a:ln>
           <a:extLst>
             <a:ext uri="{C572A759-6A51-4108-AA02-DFA0A04FC94B}">
-              <ma14:wrappingTextBoxFlag xmlns:ma14="http://schemas.microsoft.com/office/mac/drawingml/2011/main" xmlns="" val="1"/>
+              <ma14:wrappingTextBoxFlag xmlns="" xmlns:ma14="http://schemas.microsoft.com/office/mac/drawingml/2011/main" val="1"/>
             </a:ext>
           </a:extLst>
         </p:spPr>
@@ -21649,7 +21551,7 @@
           </a:ln>
           <a:extLst>
             <a:ext uri="{C572A759-6A51-4108-AA02-DFA0A04FC94B}">
-              <ma14:wrappingTextBoxFlag xmlns:ma14="http://schemas.microsoft.com/office/mac/drawingml/2011/main" xmlns="" val="1"/>
+              <ma14:wrappingTextBoxFlag xmlns="" xmlns:ma14="http://schemas.microsoft.com/office/mac/drawingml/2011/main" val="1"/>
             </a:ext>
           </a:extLst>
         </p:spPr>
@@ -23165,7 +23067,7 @@
           </a:ln>
           <a:extLst>
             <a:ext uri="{C572A759-6A51-4108-AA02-DFA0A04FC94B}">
-              <ma14:wrappingTextBoxFlag xmlns:ma14="http://schemas.microsoft.com/office/mac/drawingml/2011/main" xmlns="" val="1"/>
+              <ma14:wrappingTextBoxFlag xmlns="" xmlns:ma14="http://schemas.microsoft.com/office/mac/drawingml/2011/main" val="1"/>
             </a:ext>
           </a:extLst>
         </p:spPr>
@@ -23226,7 +23128,7 @@
           </a:ln>
           <a:extLst>
             <a:ext uri="{C572A759-6A51-4108-AA02-DFA0A04FC94B}">
-              <ma14:wrappingTextBoxFlag xmlns:ma14="http://schemas.microsoft.com/office/mac/drawingml/2011/main" xmlns="" val="1"/>
+              <ma14:wrappingTextBoxFlag xmlns="" xmlns:ma14="http://schemas.microsoft.com/office/mac/drawingml/2011/main" val="1"/>
             </a:ext>
           </a:extLst>
         </p:spPr>
@@ -26057,7 +25959,7 @@
           </a:ln>
           <a:extLst>
             <a:ext uri="{C572A759-6A51-4108-AA02-DFA0A04FC94B}">
-              <ma14:wrappingTextBoxFlag xmlns="" xmlns:ma14="http://schemas.microsoft.com/office/mac/drawingml/2011/main" val="1"/>
+              <ma14:wrappingTextBoxFlag xmlns:ma14="http://schemas.microsoft.com/office/mac/drawingml/2011/main" xmlns="" val="1"/>
             </a:ext>
           </a:extLst>
         </p:spPr>
@@ -26202,7 +26104,7 @@
           </a:ln>
           <a:extLst>
             <a:ext uri="{C572A759-6A51-4108-AA02-DFA0A04FC94B}">
-              <ma14:wrappingTextBoxFlag xmlns="" xmlns:ma14="http://schemas.microsoft.com/office/mac/drawingml/2011/main" val="1"/>
+              <ma14:wrappingTextBoxFlag xmlns:ma14="http://schemas.microsoft.com/office/mac/drawingml/2011/main" xmlns="" val="1"/>
             </a:ext>
           </a:extLst>
         </p:spPr>
@@ -27333,7 +27235,7 @@
           </a:ln>
           <a:extLst>
             <a:ext uri="{C572A759-6A51-4108-AA02-DFA0A04FC94B}">
-              <ma14:wrappingTextBoxFlag xmlns:ma14="http://schemas.microsoft.com/office/mac/drawingml/2011/main" xmlns="" val="1"/>
+              <ma14:wrappingTextBoxFlag xmlns="" xmlns:ma14="http://schemas.microsoft.com/office/mac/drawingml/2011/main" val="1"/>
             </a:ext>
           </a:extLst>
         </p:spPr>
@@ -28049,7 +27951,7 @@
           </a:ln>
           <a:extLst>
             <a:ext uri="{C572A759-6A51-4108-AA02-DFA0A04FC94B}">
-              <ma14:wrappingTextBoxFlag xmlns:ma14="http://schemas.microsoft.com/office/mac/drawingml/2011/main" xmlns="" val="1"/>
+              <ma14:wrappingTextBoxFlag xmlns="" xmlns:ma14="http://schemas.microsoft.com/office/mac/drawingml/2011/main" val="1"/>
             </a:ext>
           </a:extLst>
         </p:spPr>
@@ -28902,7 +28804,7 @@
           </a:ln>
           <a:extLst>
             <a:ext uri="{C572A759-6A51-4108-AA02-DFA0A04FC94B}">
-              <ma14:wrappingTextBoxFlag xmlns:ma14="http://schemas.microsoft.com/office/mac/drawingml/2011/main" xmlns="" val="1"/>
+              <ma14:wrappingTextBoxFlag xmlns="" xmlns:ma14="http://schemas.microsoft.com/office/mac/drawingml/2011/main" val="1"/>
             </a:ext>
           </a:extLst>
         </p:spPr>
@@ -29892,7 +29794,7 @@
           </a:ln>
           <a:extLst>
             <a:ext uri="{C572A759-6A51-4108-AA02-DFA0A04FC94B}">
-              <ma14:wrappingTextBoxFlag xmlns:ma14="http://schemas.microsoft.com/office/mac/drawingml/2011/main" xmlns="" val="1"/>
+              <ma14:wrappingTextBoxFlag xmlns="" xmlns:ma14="http://schemas.microsoft.com/office/mac/drawingml/2011/main" val="1"/>
             </a:ext>
           </a:extLst>
         </p:spPr>
@@ -31481,168 +31383,6 @@
       </p:grpSpPr>
       <p:sp>
         <p:nvSpPr>
-          <p:cNvPr id="6" name="Foliennummernplatzhalter 5">
-            <a:extLst>
-              <a:ext uri="{FF2B5EF4-FFF2-40B4-BE49-F238E27FC236}">
-                <a16:creationId xmlns:a16="http://schemas.microsoft.com/office/drawing/2014/main" id="{51E4C76E-353A-43CC-B80E-C9157FCA7D7E}"/>
-              </a:ext>
-            </a:extLst>
-          </p:cNvPr>
-          <p:cNvSpPr>
-            <a:spLocks noGrp="1"/>
-          </p:cNvSpPr>
-          <p:nvPr>
-            <p:ph type="sldNum" sz="quarter" idx="4"/>
-          </p:nvPr>
-        </p:nvSpPr>
-        <p:spPr/>
-        <p:txBody>
-          <a:bodyPr/>
-          <a:lstStyle/>
-          <a:p>
-            <a:fld id="{36D3958B-177D-4834-A246-9F824B1D4378}" type="slidenum">
-              <a:rPr lang="de-CH" smtClean="0"/>
-              <a:pPr/>
-              <a:t>10</a:t>
-            </a:fld>
-            <a:endParaRPr lang="de-CH"/>
-          </a:p>
-        </p:txBody>
-      </p:sp>
-      <p:sp>
-        <p:nvSpPr>
-          <p:cNvPr id="9" name="Titel 3">
-            <a:extLst>
-              <a:ext uri="{FF2B5EF4-FFF2-40B4-BE49-F238E27FC236}">
-                <a16:creationId xmlns:a16="http://schemas.microsoft.com/office/drawing/2014/main" id="{1A318313-E62A-B5EE-B9BA-722FADD5C946}"/>
-              </a:ext>
-            </a:extLst>
-          </p:cNvPr>
-          <p:cNvSpPr txBox="1">
-            <a:spLocks/>
-          </p:cNvSpPr>
-          <p:nvPr/>
-        </p:nvSpPr>
-        <p:spPr>
-          <a:xfrm>
-            <a:off x="407988" y="884480"/>
-            <a:ext cx="11376024" cy="1331912"/>
-          </a:xfrm>
-          <a:prstGeom prst="rect">
-            <a:avLst/>
-          </a:prstGeom>
-        </p:spPr>
-        <p:txBody>
-          <a:bodyPr vert="horz" lIns="91440" tIns="45720" rIns="91440" bIns="45720" rtlCol="0" anchor="t">
-            <a:noAutofit/>
-          </a:bodyPr>
-          <a:lstStyle>
-            <a:lvl1pPr algn="l" defTabSz="914400" rtl="0" eaLnBrk="1" latinLnBrk="0" hangingPunct="1">
-              <a:lnSpc>
-                <a:spcPct val="100000"/>
-              </a:lnSpc>
-              <a:spcBef>
-                <a:spcPct val="0"/>
-              </a:spcBef>
-              <a:buNone/>
-              <a:defRPr sz="3200" b="1" kern="1200">
-                <a:solidFill>
-                  <a:srgbClr val="010172"/>
-                </a:solidFill>
-                <a:latin typeface="+mj-lt"/>
-                <a:ea typeface="+mj-ea"/>
-                <a:cs typeface="+mj-cs"/>
-              </a:defRPr>
-            </a:lvl1pPr>
-          </a:lstStyle>
-          <a:p>
-            <a:r>
-              <a:rPr lang="de-CH" dirty="0"/>
-              <a:t>Fine-Tuning</a:t>
-            </a:r>
-          </a:p>
-        </p:txBody>
-      </p:sp>
-      <p:pic>
-        <p:nvPicPr>
-          <p:cNvPr id="4" name="Grafik 3" descr="Ein Bild, das Text, Diagramm, Reihe, Screenshot enthält.&#10;&#10;Automatisch generierte Beschreibung">
-            <a:extLst>
-              <a:ext uri="{FF2B5EF4-FFF2-40B4-BE49-F238E27FC236}">
-                <a16:creationId xmlns:a16="http://schemas.microsoft.com/office/drawing/2014/main" id="{E10E84F2-383F-181D-080B-789B2F49D623}"/>
-              </a:ext>
-            </a:extLst>
-          </p:cNvPr>
-          <p:cNvPicPr>
-            <a:picLocks noChangeAspect="1"/>
-          </p:cNvPicPr>
-          <p:nvPr/>
-        </p:nvPicPr>
-        <p:blipFill>
-          <a:blip r:embed="rId3">
-            <a:extLst>
-              <a:ext uri="{28A0092B-C50C-407E-A947-70E740481C1C}">
-                <a14:useLocalDpi xmlns:a14="http://schemas.microsoft.com/office/drawing/2010/main" val="0"/>
-              </a:ext>
-            </a:extLst>
-          </a:blip>
-          <a:stretch>
-            <a:fillRect/>
-          </a:stretch>
-        </p:blipFill>
-        <p:spPr>
-          <a:xfrm>
-            <a:off x="1135090" y="1969253"/>
-            <a:ext cx="9921820" cy="2919494"/>
-          </a:xfrm>
-          <a:prstGeom prst="rect">
-            <a:avLst/>
-          </a:prstGeom>
-        </p:spPr>
-      </p:pic>
-    </p:spTree>
-    <p:extLst>
-      <p:ext uri="{BB962C8B-B14F-4D97-AF65-F5344CB8AC3E}">
-        <p14:creationId xmlns:p14="http://schemas.microsoft.com/office/powerpoint/2010/main" val="141913729"/>
-      </p:ext>
-    </p:extLst>
-  </p:cSld>
-  <p:clrMapOvr>
-    <a:masterClrMapping/>
-  </p:clrMapOvr>
-  <mc:AlternateContent xmlns:mc="http://schemas.openxmlformats.org/markup-compatibility/2006" xmlns:p14="http://schemas.microsoft.com/office/powerpoint/2010/main">
-    <mc:Choice Requires="p14">
-      <p:transition spd="med" p14:dur="700">
-        <p:fade/>
-      </p:transition>
-    </mc:Choice>
-    <mc:Fallback xmlns="">
-      <p:transition spd="med">
-        <p:fade/>
-      </p:transition>
-    </mc:Fallback>
-  </mc:AlternateContent>
-</p:sld>
-</file>
-
-<file path=ppt/slides/slide11.xml><?xml version="1.0" encoding="utf-8"?>
-<p:sld xmlns:a="http://schemas.openxmlformats.org/drawingml/2006/main" xmlns:r="http://schemas.openxmlformats.org/officeDocument/2006/relationships" xmlns:p="http://schemas.openxmlformats.org/presentationml/2006/main">
-  <p:cSld>
-    <p:spTree>
-      <p:nvGrpSpPr>
-        <p:cNvPr id="1" name=""/>
-        <p:cNvGrpSpPr/>
-        <p:nvPr/>
-      </p:nvGrpSpPr>
-      <p:grpSpPr>
-        <a:xfrm>
-          <a:off x="0" y="0"/>
-          <a:ext cx="0" cy="0"/>
-          <a:chOff x="0" y="0"/>
-          <a:chExt cx="0" cy="0"/>
-        </a:xfrm>
-      </p:grpSpPr>
-      <p:sp>
-        <p:nvSpPr>
           <p:cNvPr id="27" name="Rectangle 26">
             <a:extLst>
               <a:ext uri="{FF2B5EF4-FFF2-40B4-BE49-F238E27FC236}">
@@ -31835,7 +31575,7 @@
           </a:ln>
           <a:extLst>
             <a:ext uri="{C572A759-6A51-4108-AA02-DFA0A04FC94B}">
-              <ma14:wrappingTextBoxFlag xmlns="" xmlns:ma14="http://schemas.microsoft.com/office/mac/drawingml/2011/main" val="1"/>
+              <ma14:wrappingTextBoxFlag xmlns:ma14="http://schemas.microsoft.com/office/mac/drawingml/2011/main" xmlns="" val="1"/>
             </a:ext>
           </a:extLst>
         </p:spPr>
@@ -32058,7 +31798,7 @@
                   <a:spcPts val="600"/>
                 </a:spcAft>
               </a:pPr>
-              <a:t>11</a:t>
+              <a:t>10</a:t>
             </a:fld>
             <a:endParaRPr lang="de-CH" sz="800" dirty="0">
               <a:solidFill>
@@ -32171,68 +31911,6 @@
           </a:prstGeom>
         </p:spPr>
       </p:pic>
-      <p:sp>
-        <p:nvSpPr>
-          <p:cNvPr id="9" name="Arrow: Bent-Up 8">
-            <a:extLst>
-              <a:ext uri="{FF2B5EF4-FFF2-40B4-BE49-F238E27FC236}">
-                <a16:creationId xmlns:a16="http://schemas.microsoft.com/office/drawing/2014/main" id="{53E43F26-498F-8499-175D-7C01546ED5B2}"/>
-              </a:ext>
-            </a:extLst>
-          </p:cNvPr>
-          <p:cNvSpPr/>
-          <p:nvPr/>
-        </p:nvSpPr>
-        <p:spPr>
-          <a:xfrm rot="5400000">
-            <a:off x="5527683" y="2216864"/>
-            <a:ext cx="523220" cy="1200329"/>
-          </a:xfrm>
-          <a:prstGeom prst="bentUpArrow">
-            <a:avLst>
-              <a:gd name="adj1" fmla="val 17142"/>
-              <a:gd name="adj2" fmla="val 25000"/>
-              <a:gd name="adj3" fmla="val 25000"/>
-            </a:avLst>
-          </a:prstGeom>
-          <a:solidFill>
-            <a:schemeClr val="accent1">
-              <a:lumMod val="50000"/>
-            </a:schemeClr>
-          </a:solidFill>
-          <a:ln>
-            <a:solidFill>
-              <a:schemeClr val="accent2">
-                <a:lumMod val="50000"/>
-              </a:schemeClr>
-            </a:solidFill>
-          </a:ln>
-        </p:spPr>
-        <p:style>
-          <a:lnRef idx="2">
-            <a:schemeClr val="accent1">
-              <a:shade val="15000"/>
-            </a:schemeClr>
-          </a:lnRef>
-          <a:fillRef idx="1">
-            <a:schemeClr val="accent1"/>
-          </a:fillRef>
-          <a:effectRef idx="0">
-            <a:schemeClr val="accent1"/>
-          </a:effectRef>
-          <a:fontRef idx="minor">
-            <a:schemeClr val="lt1"/>
-          </a:fontRef>
-        </p:style>
-        <p:txBody>
-          <a:bodyPr rtlCol="0" anchor="ctr"/>
-          <a:lstStyle/>
-          <a:p>
-            <a:pPr algn="ctr"/>
-            <a:endParaRPr lang="de-CH"/>
-          </a:p>
-        </p:txBody>
-      </p:sp>
       <p:sp>
         <p:nvSpPr>
           <p:cNvPr id="11" name="TextBox 10">
@@ -32301,7 +31979,7 @@
 </p:sld>
 </file>
 
-<file path=ppt/slides/slide12.xml><?xml version="1.0" encoding="utf-8"?>
+<file path=ppt/slides/slide11.xml><?xml version="1.0" encoding="utf-8"?>
 <p:sld xmlns:a="http://schemas.openxmlformats.org/drawingml/2006/main" xmlns:r="http://schemas.openxmlformats.org/officeDocument/2006/relationships" xmlns:p="http://schemas.openxmlformats.org/presentationml/2006/main">
   <p:cSld>
     <p:spTree>
@@ -32385,7 +32063,7 @@
             <a:fld id="{36D3958B-177D-4834-A246-9F824B1D4378}" type="slidenum">
               <a:rPr lang="de-CH" noProof="0" smtClean="0"/>
               <a:pPr/>
-              <a:t>12</a:t>
+              <a:t>11</a:t>
             </a:fld>
             <a:endParaRPr lang="de-CH" noProof="0"/>
           </a:p>
@@ -32445,7 +32123,7 @@
 </p:sld>
 </file>
 
-<file path=ppt/slides/slide13.xml><?xml version="1.0" encoding="utf-8"?>
+<file path=ppt/slides/slide12.xml><?xml version="1.0" encoding="utf-8"?>
 <p:sld xmlns:a="http://schemas.openxmlformats.org/drawingml/2006/main" xmlns:r="http://schemas.openxmlformats.org/officeDocument/2006/relationships" xmlns:p="http://schemas.openxmlformats.org/presentationml/2006/main">
   <p:cSld>
     <p:spTree>
@@ -34530,6 +34208,42 @@
           </a:prstGeom>
         </p:spPr>
       </p:pic>
+      <p:pic>
+        <p:nvPicPr>
+          <p:cNvPr id="5" name="Grafik 4">
+            <a:extLst>
+              <a:ext uri="{FF2B5EF4-FFF2-40B4-BE49-F238E27FC236}">
+                <a16:creationId xmlns:a16="http://schemas.microsoft.com/office/drawing/2014/main" id="{C941924D-BA56-4951-3D54-609EF7156F61}"/>
+              </a:ext>
+            </a:extLst>
+          </p:cNvPr>
+          <p:cNvPicPr>
+            <a:picLocks noChangeAspect="1"/>
+          </p:cNvPicPr>
+          <p:nvPr/>
+        </p:nvPicPr>
+        <p:blipFill>
+          <a:blip r:embed="rId4">
+            <a:extLst>
+              <a:ext uri="{28A0092B-C50C-407E-A947-70E740481C1C}">
+                <a14:useLocalDpi xmlns:a14="http://schemas.microsoft.com/office/drawing/2010/main" val="0"/>
+              </a:ext>
+            </a:extLst>
+          </a:blip>
+          <a:stretch>
+            <a:fillRect/>
+          </a:stretch>
+        </p:blipFill>
+        <p:spPr>
+          <a:xfrm>
+            <a:off x="9794489" y="884480"/>
+            <a:ext cx="2110511" cy="2110511"/>
+          </a:xfrm>
+          <a:prstGeom prst="rect">
+            <a:avLst/>
+          </a:prstGeom>
+        </p:spPr>
+      </p:pic>
     </p:spTree>
     <p:extLst>
       <p:ext uri="{BB962C8B-B14F-4D97-AF65-F5344CB8AC3E}">
@@ -34766,7 +34480,7 @@
           </a:ln>
           <a:extLst>
             <a:ext uri="{C572A759-6A51-4108-AA02-DFA0A04FC94B}">
-              <ma14:wrappingTextBoxFlag xmlns="" xmlns:ma14="http://schemas.microsoft.com/office/mac/drawingml/2011/main" val="1"/>
+              <ma14:wrappingTextBoxFlag xmlns:ma14="http://schemas.microsoft.com/office/mac/drawingml/2011/main" xmlns="" val="1"/>
             </a:ext>
           </a:extLst>
         </p:spPr>
@@ -35029,8 +34743,8 @@
         </p:nvSpPr>
         <p:spPr>
           <a:xfrm>
-            <a:off x="441061" y="2814290"/>
-            <a:ext cx="6335659" cy="1754326"/>
+            <a:off x="441061" y="2204692"/>
+            <a:ext cx="6335659" cy="2585323"/>
           </a:xfrm>
           <a:prstGeom prst="rect">
             <a:avLst/>
@@ -35145,6 +34859,45 @@
                 <a:latin typeface="arial" panose="020B0604020202020204" pitchFamily="34" charset="0"/>
               </a:rPr>
               <a:t>.</a:t>
+            </a:r>
+          </a:p>
+          <a:p>
+            <a:pPr algn="l"/>
+            <a:endParaRPr lang="en-US" sz="1800" dirty="0">
+              <a:solidFill>
+                <a:schemeClr val="bg1"/>
+              </a:solidFill>
+              <a:latin typeface="arial" panose="020B0604020202020204" pitchFamily="34" charset="0"/>
+            </a:endParaRPr>
+          </a:p>
+          <a:p>
+            <a:pPr algn="l"/>
+            <a:r>
+              <a:rPr lang="en-US" sz="1800" dirty="0">
+                <a:solidFill>
+                  <a:schemeClr val="bg1"/>
+                </a:solidFill>
+                <a:latin typeface="arial" panose="020B0604020202020204" pitchFamily="34" charset="0"/>
+              </a:rPr>
+              <a:t>Additionally, new model catalog in Azure AI Foundry with </a:t>
+            </a:r>
+            <a:r>
+              <a:rPr lang="en-US" sz="1800" b="1" dirty="0">
+                <a:solidFill>
+                  <a:schemeClr val="bg1"/>
+                </a:solidFill>
+                <a:latin typeface="arial" panose="020B0604020202020204" pitchFamily="34" charset="0"/>
+              </a:rPr>
+              <a:t>11K+ models </a:t>
+            </a:r>
+            <a:r>
+              <a:rPr lang="en-US" sz="1800" dirty="0">
+                <a:solidFill>
+                  <a:schemeClr val="bg1"/>
+                </a:solidFill>
+                <a:latin typeface="arial" panose="020B0604020202020204" pitchFamily="34" charset="0"/>
+              </a:rPr>
+              <a:t>to choose from.</a:t>
             </a:r>
             <a:endParaRPr lang="de-CH" sz="1800" dirty="0">
               <a:solidFill>
@@ -35483,7 +35236,7 @@
           </a:ln>
           <a:extLst>
             <a:ext uri="{C572A759-6A51-4108-AA02-DFA0A04FC94B}">
-              <ma14:wrappingTextBoxFlag xmlns="" xmlns:ma14="http://schemas.microsoft.com/office/mac/drawingml/2011/main" val="1"/>
+              <ma14:wrappingTextBoxFlag xmlns:ma14="http://schemas.microsoft.com/office/mac/drawingml/2011/main" xmlns="" val="1"/>
             </a:ext>
           </a:extLst>
         </p:spPr>
@@ -37628,7 +37381,7 @@
           </a:ln>
           <a:extLst>
             <a:ext uri="{C572A759-6A51-4108-AA02-DFA0A04FC94B}">
-              <ma14:wrappingTextBoxFlag xmlns="" xmlns:ma14="http://schemas.microsoft.com/office/mac/drawingml/2011/main" val="1"/>
+              <ma14:wrappingTextBoxFlag xmlns:ma14="http://schemas.microsoft.com/office/mac/drawingml/2011/main" xmlns="" val="1"/>
             </a:ext>
           </a:extLst>
         </p:spPr>
@@ -37903,8 +37656,8 @@
         </p:blipFill>
         <p:spPr>
           <a:xfrm>
-            <a:off x="3567818" y="2054533"/>
-            <a:ext cx="1155700" cy="1238250"/>
+            <a:off x="3501557" y="2491855"/>
+            <a:ext cx="1155702" cy="1238250"/>
           </a:xfrm>
           <a:prstGeom prst="rect">
             <a:avLst/>
@@ -37940,8 +37693,8 @@
         </p:blipFill>
         <p:spPr>
           <a:xfrm>
-            <a:off x="6580781" y="2054533"/>
-            <a:ext cx="1155700" cy="1238250"/>
+            <a:off x="6933979" y="2491855"/>
+            <a:ext cx="1155702" cy="1238250"/>
           </a:xfrm>
           <a:prstGeom prst="rect">
             <a:avLst/>
@@ -37962,7 +37715,7 @@
         </p:nvSpPr>
         <p:spPr>
           <a:xfrm>
-            <a:off x="3257964" y="3758225"/>
+            <a:off x="3191704" y="4195547"/>
             <a:ext cx="1775407" cy="400110"/>
           </a:xfrm>
           <a:prstGeom prst="rect">
@@ -38014,8 +37767,8 @@
         </p:nvSpPr>
         <p:spPr>
           <a:xfrm>
-            <a:off x="6167599" y="3758225"/>
-            <a:ext cx="2123735" cy="400110"/>
+            <a:off x="6101339" y="4195547"/>
+            <a:ext cx="3360714" cy="400110"/>
           </a:xfrm>
           <a:prstGeom prst="rect">
             <a:avLst/>
@@ -38037,7 +37790,7 @@
                 </a:solidFill>
                 <a:latin typeface="arial" panose="020B0604020202020204" pitchFamily="34" charset="0"/>
               </a:rPr>
-              <a:t>Embeddings</a:t>
+              <a:t>Text-Embedding-3-Large</a:t>
             </a:r>
             <a:endParaRPr lang="de-CH" sz="2000" b="1" dirty="0">
               <a:solidFill>
@@ -38286,7 +38039,7 @@
           </a:ln>
           <a:extLst>
             <a:ext uri="{C572A759-6A51-4108-AA02-DFA0A04FC94B}">
-              <ma14:wrappingTextBoxFlag xmlns="" xmlns:ma14="http://schemas.microsoft.com/office/mac/drawingml/2011/main" val="1"/>
+              <ma14:wrappingTextBoxFlag xmlns:ma14="http://schemas.microsoft.com/office/mac/drawingml/2011/main" xmlns="" val="1"/>
             </a:ext>
           </a:extLst>
         </p:spPr>
@@ -39776,379 +39529,40 @@
       </p:grpSpPr>
       <p:sp>
         <p:nvSpPr>
-          <p:cNvPr id="27" name="Rectangle 26">
-            <a:extLst>
-              <a:ext uri="{FF2B5EF4-FFF2-40B4-BE49-F238E27FC236}">
-                <a16:creationId xmlns:a16="http://schemas.microsoft.com/office/drawing/2014/main" id="{6CEB1250-49EF-7FDD-B455-5ADB8B0BB058}"/>
-              </a:ext>
-            </a:extLst>
-          </p:cNvPr>
-          <p:cNvSpPr/>
-          <p:nvPr/>
-        </p:nvSpPr>
-        <p:spPr>
-          <a:xfrm>
-            <a:off x="1" y="0"/>
-            <a:ext cx="12192000" cy="6374921"/>
-          </a:xfrm>
-          <a:prstGeom prst="rect">
-            <a:avLst/>
-          </a:prstGeom>
-          <a:gradFill flip="none" rotWithShape="1">
-            <a:gsLst>
-              <a:gs pos="86000">
-                <a:srgbClr val="03A6EF"/>
-              </a:gs>
-              <a:gs pos="73000">
-                <a:srgbClr val="0793D8"/>
-              </a:gs>
-              <a:gs pos="62050">
-                <a:srgbClr val="0B84C5"/>
-              </a:gs>
-              <a:gs pos="38505">
-                <a:srgbClr val="18477E"/>
-              </a:gs>
-              <a:gs pos="29326">
-                <a:srgbClr val="1E3363"/>
-              </a:gs>
-              <a:gs pos="18388">
-                <a:srgbClr val="202B57"/>
-              </a:gs>
-              <a:gs pos="12050">
-                <a:srgbClr val="22224C"/>
-              </a:gs>
-              <a:gs pos="0">
-                <a:srgbClr val="231F48"/>
-              </a:gs>
-              <a:gs pos="52000">
-                <a:srgbClr val="106EAA"/>
-              </a:gs>
-              <a:gs pos="100000">
-                <a:srgbClr val="00B2FE"/>
-              </a:gs>
-            </a:gsLst>
-            <a:lin ang="16200000" scaled="1"/>
-            <a:tileRect/>
-          </a:gradFill>
-          <a:ln>
-            <a:noFill/>
-          </a:ln>
-        </p:spPr>
-        <p:style>
-          <a:lnRef idx="2">
-            <a:schemeClr val="accent1">
-              <a:shade val="15000"/>
-            </a:schemeClr>
-          </a:lnRef>
-          <a:fillRef idx="1">
-            <a:schemeClr val="accent1"/>
-          </a:fillRef>
-          <a:effectRef idx="0">
-            <a:schemeClr val="accent1"/>
-          </a:effectRef>
-          <a:fontRef idx="minor">
-            <a:schemeClr val="lt1"/>
-          </a:fontRef>
-        </p:style>
-        <p:txBody>
-          <a:bodyPr rtlCol="0" anchor="ctr"/>
+          <p:cNvPr id="6" name="Foliennummernplatzhalter 5">
+            <a:extLst>
+              <a:ext uri="{FF2B5EF4-FFF2-40B4-BE49-F238E27FC236}">
+                <a16:creationId xmlns:a16="http://schemas.microsoft.com/office/drawing/2014/main" id="{51E4C76E-353A-43CC-B80E-C9157FCA7D7E}"/>
+              </a:ext>
+            </a:extLst>
+          </p:cNvPr>
+          <p:cNvSpPr>
+            <a:spLocks noGrp="1"/>
+          </p:cNvSpPr>
+          <p:nvPr>
+            <p:ph type="sldNum" sz="quarter" idx="4"/>
+          </p:nvPr>
+        </p:nvSpPr>
+        <p:spPr/>
+        <p:txBody>
+          <a:bodyPr/>
           <a:lstStyle/>
           <a:p>
-            <a:pPr algn="ctr"/>
-            <a:endParaRPr lang="en-US"/>
-          </a:p>
-        </p:txBody>
-      </p:sp>
-      <p:sp>
-        <p:nvSpPr>
-          <p:cNvPr id="11" name="Rechteck: abgerundete Ecken 10">
-            <a:extLst>
-              <a:ext uri="{FF2B5EF4-FFF2-40B4-BE49-F238E27FC236}">
-                <a16:creationId xmlns:a16="http://schemas.microsoft.com/office/drawing/2014/main" id="{38BE1F61-05D0-65F9-88D4-DE1BA58CF9FA}"/>
-              </a:ext>
-            </a:extLst>
-          </p:cNvPr>
-          <p:cNvSpPr/>
-          <p:nvPr/>
-        </p:nvSpPr>
-        <p:spPr>
-          <a:xfrm>
-            <a:off x="6711352" y="3027872"/>
-            <a:ext cx="2260120" cy="992381"/>
-          </a:xfrm>
-          <a:prstGeom prst="roundRect">
-            <a:avLst>
-              <a:gd name="adj" fmla="val 50000"/>
-            </a:avLst>
-          </a:prstGeom>
-          <a:solidFill>
-            <a:schemeClr val="bg1"/>
-          </a:solidFill>
-          <a:ln>
-            <a:noFill/>
-          </a:ln>
-        </p:spPr>
-        <p:style>
-          <a:lnRef idx="2">
-            <a:schemeClr val="accent1">
-              <a:shade val="15000"/>
-            </a:schemeClr>
-          </a:lnRef>
-          <a:fillRef idx="1">
-            <a:schemeClr val="accent1"/>
-          </a:fillRef>
-          <a:effectRef idx="0">
-            <a:schemeClr val="accent1"/>
-          </a:effectRef>
-          <a:fontRef idx="minor">
-            <a:schemeClr val="lt1"/>
-          </a:fontRef>
-        </p:style>
-        <p:txBody>
-          <a:bodyPr rtlCol="0" anchor="ctr"/>
-          <a:lstStyle/>
-          <a:p>
-            <a:pPr algn="ctr"/>
+            <a:fld id="{36D3958B-177D-4834-A246-9F824B1D4378}" type="slidenum">
+              <a:rPr lang="de-CH" smtClean="0"/>
+              <a:pPr/>
+              <a:t>8</a:t>
+            </a:fld>
             <a:endParaRPr lang="de-CH"/>
           </a:p>
         </p:txBody>
       </p:sp>
       <p:sp>
         <p:nvSpPr>
-          <p:cNvPr id="13" name="Rechteck: abgerundete Ecken 12">
-            <a:extLst>
-              <a:ext uri="{FF2B5EF4-FFF2-40B4-BE49-F238E27FC236}">
-                <a16:creationId xmlns:a16="http://schemas.microsoft.com/office/drawing/2014/main" id="{AF3C6007-EE1A-FDDC-7163-151753DB9087}"/>
-              </a:ext>
-            </a:extLst>
-          </p:cNvPr>
-          <p:cNvSpPr/>
-          <p:nvPr/>
-        </p:nvSpPr>
-        <p:spPr>
-          <a:xfrm>
-            <a:off x="6711351" y="4383390"/>
-            <a:ext cx="2415396" cy="992381"/>
-          </a:xfrm>
-          <a:prstGeom prst="roundRect">
-            <a:avLst>
-              <a:gd name="adj" fmla="val 50000"/>
-            </a:avLst>
-          </a:prstGeom>
-          <a:solidFill>
-            <a:schemeClr val="bg1"/>
-          </a:solidFill>
-          <a:ln>
-            <a:noFill/>
-          </a:ln>
-        </p:spPr>
-        <p:style>
-          <a:lnRef idx="2">
-            <a:schemeClr val="accent1">
-              <a:shade val="15000"/>
-            </a:schemeClr>
-          </a:lnRef>
-          <a:fillRef idx="1">
-            <a:schemeClr val="accent1"/>
-          </a:fillRef>
-          <a:effectRef idx="0">
-            <a:schemeClr val="accent1"/>
-          </a:effectRef>
-          <a:fontRef idx="minor">
-            <a:schemeClr val="lt1"/>
-          </a:fontRef>
-        </p:style>
-        <p:txBody>
-          <a:bodyPr rtlCol="0" anchor="ctr"/>
-          <a:lstStyle/>
-          <a:p>
-            <a:pPr algn="ctr"/>
-            <a:endParaRPr lang="de-CH"/>
-          </a:p>
-        </p:txBody>
-      </p:sp>
-      <p:pic>
-        <p:nvPicPr>
-          <p:cNvPr id="7" name="Picture 2">
-            <a:extLst>
-              <a:ext uri="{FF2B5EF4-FFF2-40B4-BE49-F238E27FC236}">
-                <a16:creationId xmlns:a16="http://schemas.microsoft.com/office/drawing/2014/main" id="{EAB28599-CF11-EC67-BC4C-90CA8F6D53F6}"/>
-              </a:ext>
-            </a:extLst>
-          </p:cNvPr>
-          <p:cNvPicPr>
-            <a:picLocks noChangeAspect="1"/>
-          </p:cNvPicPr>
-          <p:nvPr/>
-        </p:nvPicPr>
-        <p:blipFill>
-          <a:blip r:embed="rId3" cstate="print">
-            <a:extLst>
-              <a:ext uri="{28A0092B-C50C-407E-A947-70E740481C1C}">
-                <a14:useLocalDpi xmlns:a14="http://schemas.microsoft.com/office/drawing/2010/main" val="0"/>
-              </a:ext>
-            </a:extLst>
-          </a:blip>
-          <a:stretch>
-            <a:fillRect/>
-          </a:stretch>
-        </p:blipFill>
-        <p:spPr>
-          <a:xfrm>
-            <a:off x="266021" y="211502"/>
-            <a:ext cx="1496463" cy="437608"/>
-          </a:xfrm>
-          <a:prstGeom prst="rect">
-            <a:avLst/>
-          </a:prstGeom>
-        </p:spPr>
-      </p:pic>
-      <p:cxnSp>
-        <p:nvCxnSpPr>
-          <p:cNvPr id="8" name="Straight Connector 13">
-            <a:extLst>
-              <a:ext uri="{FF2B5EF4-FFF2-40B4-BE49-F238E27FC236}">
-                <a16:creationId xmlns:a16="http://schemas.microsoft.com/office/drawing/2014/main" id="{D7C04125-28AA-D623-29CE-EE14A8C54959}"/>
-              </a:ext>
-            </a:extLst>
-          </p:cNvPr>
-          <p:cNvCxnSpPr>
-            <a:cxnSpLocks/>
-          </p:cNvCxnSpPr>
-          <p:nvPr/>
-        </p:nvCxnSpPr>
-        <p:spPr>
-          <a:xfrm>
-            <a:off x="407194" y="740550"/>
-            <a:ext cx="11395075" cy="0"/>
-          </a:xfrm>
-          <a:prstGeom prst="line">
-            <a:avLst/>
-          </a:prstGeom>
-          <a:noFill/>
-          <a:ln w="6350" cap="flat">
-            <a:solidFill>
-              <a:schemeClr val="bg1">
-                <a:lumMod val="85000"/>
-              </a:schemeClr>
-            </a:solidFill>
-            <a:prstDash val="solid"/>
-            <a:miter lim="400000"/>
-          </a:ln>
-          <a:effectLst/>
-          <a:sp3d/>
-        </p:spPr>
-        <p:style>
-          <a:lnRef idx="0">
-            <a:scrgbClr r="0" g="0" b="0"/>
-          </a:lnRef>
-          <a:fillRef idx="0">
-            <a:scrgbClr r="0" g="0" b="0"/>
-          </a:fillRef>
-          <a:effectRef idx="0">
-            <a:scrgbClr r="0" g="0" b="0"/>
-          </a:effectRef>
-          <a:fontRef idx="none"/>
-        </p:style>
-      </p:cxnSp>
-      <p:sp>
-        <p:nvSpPr>
-          <p:cNvPr id="10" name="Shape 5">
-            <a:extLst>
-              <a:ext uri="{FF2B5EF4-FFF2-40B4-BE49-F238E27FC236}">
-                <a16:creationId xmlns:a16="http://schemas.microsoft.com/office/drawing/2014/main" id="{B38B366D-0128-5C67-B2FE-46FC9FD67020}"/>
-              </a:ext>
-            </a:extLst>
-          </p:cNvPr>
-          <p:cNvSpPr/>
-          <p:nvPr/>
-        </p:nvSpPr>
-        <p:spPr>
-          <a:xfrm>
-            <a:off x="9408695" y="385832"/>
-            <a:ext cx="2393575" cy="205184"/>
-          </a:xfrm>
-          <a:prstGeom prst="rect">
-            <a:avLst/>
-          </a:prstGeom>
-          <a:ln w="12700">
-            <a:miter lim="400000"/>
-          </a:ln>
-          <a:extLst>
-            <a:ext uri="{C572A759-6A51-4108-AA02-DFA0A04FC94B}">
-              <ma14:wrappingTextBoxFlag xmlns="" xmlns:ma14="http://schemas.microsoft.com/office/mac/drawingml/2011/main" val="1"/>
-            </a:ext>
-          </a:extLst>
-        </p:spPr>
-        <p:txBody>
-          <a:bodyPr wrap="square" lIns="25400" tIns="25400" rIns="25400" bIns="25400" anchor="ctr">
-            <a:spAutoFit/>
-          </a:bodyPr>
-          <a:lstStyle>
-            <a:lvl1pPr algn="l">
-              <a:defRPr sz="1600">
-                <a:solidFill>
-                  <a:srgbClr val="53585F"/>
-                </a:solidFill>
-                <a:latin typeface="San Francisco Display Regular"/>
-                <a:ea typeface="San Francisco Display Regular"/>
-                <a:cs typeface="San Francisco Display Regular"/>
-                <a:sym typeface="San Francisco Display Regular"/>
-              </a:defRPr>
-            </a:lvl1pPr>
-          </a:lstStyle>
-          <a:p>
-            <a:pPr algn="r"/>
-            <a:r>
-              <a:rPr lang="de-CH" sz="1000" noProof="0" dirty="0" err="1">
-                <a:solidFill>
-                  <a:srgbClr val="53585F"/>
-                </a:solidFill>
-                <a:latin typeface="Open Sans" panose="020B0606030504020204" pitchFamily="34" charset="0"/>
-                <a:ea typeface="Open Sans" panose="020B0606030504020204" pitchFamily="34" charset="0"/>
-                <a:cs typeface="Open Sans" panose="020B0606030504020204" pitchFamily="34" charset="0"/>
-              </a:rPr>
-              <a:t>Empowering</a:t>
-            </a:r>
-            <a:r>
-              <a:rPr lang="de-CH" sz="1000" noProof="0" dirty="0">
-                <a:solidFill>
-                  <a:srgbClr val="53585F"/>
-                </a:solidFill>
-                <a:latin typeface="Open Sans" panose="020B0606030504020204" pitchFamily="34" charset="0"/>
-                <a:ea typeface="Open Sans" panose="020B0606030504020204" pitchFamily="34" charset="0"/>
-                <a:cs typeface="Open Sans" panose="020B0606030504020204" pitchFamily="34" charset="0"/>
-              </a:rPr>
-              <a:t> </a:t>
-            </a:r>
-            <a:r>
-              <a:rPr lang="de-CH" sz="1000" noProof="0" dirty="0" err="1">
-                <a:solidFill>
-                  <a:srgbClr val="53585F"/>
-                </a:solidFill>
-                <a:latin typeface="Open Sans" panose="020B0606030504020204" pitchFamily="34" charset="0"/>
-                <a:ea typeface="Open Sans" panose="020B0606030504020204" pitchFamily="34" charset="0"/>
-                <a:cs typeface="Open Sans" panose="020B0606030504020204" pitchFamily="34" charset="0"/>
-              </a:rPr>
-              <a:t>You</a:t>
-            </a:r>
-            <a:endParaRPr lang="de-CH" sz="1000" noProof="0" dirty="0">
-              <a:solidFill>
-                <a:srgbClr val="53585F"/>
-              </a:solidFill>
-              <a:latin typeface="Open Sans" panose="020B0606030504020204" pitchFamily="34" charset="0"/>
-              <a:ea typeface="Open Sans" panose="020B0606030504020204" pitchFamily="34" charset="0"/>
-              <a:cs typeface="Open Sans" panose="020B0606030504020204" pitchFamily="34" charset="0"/>
-            </a:endParaRPr>
-          </a:p>
-        </p:txBody>
-      </p:sp>
-      <p:sp>
-        <p:nvSpPr>
-          <p:cNvPr id="12" name="Titel 3">
-            <a:extLst>
-              <a:ext uri="{FF2B5EF4-FFF2-40B4-BE49-F238E27FC236}">
-                <a16:creationId xmlns:a16="http://schemas.microsoft.com/office/drawing/2014/main" id="{E694A7F3-3416-6A7A-90A9-E33C89CFC5CE}"/>
+          <p:cNvPr id="7" name="Titel 3">
+            <a:extLst>
+              <a:ext uri="{FF2B5EF4-FFF2-40B4-BE49-F238E27FC236}">
+                <a16:creationId xmlns:a16="http://schemas.microsoft.com/office/drawing/2014/main" id="{F509DB2F-E4F0-C730-B4EC-1505C48199C1}"/>
               </a:ext>
             </a:extLst>
           </p:cNvPr>
@@ -40159,8 +39573,8 @@
         </p:nvSpPr>
         <p:spPr>
           <a:xfrm>
-            <a:off x="294896" y="884480"/>
-            <a:ext cx="7222176" cy="684438"/>
+            <a:off x="407988" y="884480"/>
+            <a:ext cx="11376024" cy="1331912"/>
           </a:xfrm>
           <a:prstGeom prst="rect">
             <a:avLst/>
@@ -40191,257 +39605,26 @@
           </a:lstStyle>
           <a:p>
             <a:r>
-              <a:rPr lang="de-CH" dirty="0">
-                <a:solidFill>
-                  <a:schemeClr val="bg1"/>
-                </a:solidFill>
-              </a:rPr>
-              <a:t>Prompt Engineering Frameworks</a:t>
-            </a:r>
-          </a:p>
-        </p:txBody>
-      </p:sp>
-      <p:sp>
-        <p:nvSpPr>
-          <p:cNvPr id="50" name="Shape 3">
-            <a:extLst>
-              <a:ext uri="{FF2B5EF4-FFF2-40B4-BE49-F238E27FC236}">
-                <a16:creationId xmlns:a16="http://schemas.microsoft.com/office/drawing/2014/main" id="{4ACD3E40-0F9E-1D77-F32B-201865BCEF5D}"/>
-              </a:ext>
-            </a:extLst>
-          </p:cNvPr>
-          <p:cNvSpPr/>
-          <p:nvPr/>
-        </p:nvSpPr>
-        <p:spPr>
-          <a:xfrm>
-            <a:off x="11526321" y="6505418"/>
-            <a:ext cx="252474" cy="352582"/>
-          </a:xfrm>
-          <a:prstGeom prst="rect">
-            <a:avLst/>
-          </a:prstGeom>
-          <a:solidFill>
-            <a:srgbClr val="002060"/>
-          </a:solidFill>
-          <a:ln w="12700">
-            <a:miter lim="400000"/>
-          </a:ln>
-        </p:spPr>
-        <p:txBody>
-          <a:bodyPr lIns="25400" tIns="25400" rIns="25400" bIns="25400" anchor="ctr"/>
-          <a:lstStyle/>
-          <a:p>
-            <a:pPr>
-              <a:defRPr sz="3200">
-                <a:solidFill>
-                  <a:srgbClr val="FFFFFF"/>
-                </a:solidFill>
-              </a:defRPr>
-            </a:pPr>
-            <a:endParaRPr lang="de-CH" sz="1600" noProof="0">
-              <a:solidFill>
-                <a:srgbClr val="010172"/>
-              </a:solidFill>
-              <a:latin typeface="+mj-lt"/>
-            </a:endParaRPr>
-          </a:p>
-        </p:txBody>
-      </p:sp>
-      <p:sp>
-        <p:nvSpPr>
-          <p:cNvPr id="9" name="Rechteck: abgerundete Ecken 8">
-            <a:extLst>
-              <a:ext uri="{FF2B5EF4-FFF2-40B4-BE49-F238E27FC236}">
-                <a16:creationId xmlns:a16="http://schemas.microsoft.com/office/drawing/2014/main" id="{8360E4F5-AB15-5858-CD27-359022E5348B}"/>
-              </a:ext>
-            </a:extLst>
-          </p:cNvPr>
-          <p:cNvSpPr/>
-          <p:nvPr/>
-        </p:nvSpPr>
-        <p:spPr>
-          <a:xfrm>
-            <a:off x="6711352" y="1717367"/>
-            <a:ext cx="2260120" cy="925034"/>
-          </a:xfrm>
-          <a:prstGeom prst="roundRect">
-            <a:avLst>
-              <a:gd name="adj" fmla="val 50000"/>
-            </a:avLst>
-          </a:prstGeom>
-          <a:solidFill>
-            <a:schemeClr val="bg1"/>
-          </a:solidFill>
-          <a:ln>
-            <a:noFill/>
-          </a:ln>
-        </p:spPr>
-        <p:style>
-          <a:lnRef idx="2">
-            <a:schemeClr val="accent1">
-              <a:shade val="15000"/>
-            </a:schemeClr>
-          </a:lnRef>
-          <a:fillRef idx="1">
-            <a:schemeClr val="accent1"/>
-          </a:fillRef>
-          <a:effectRef idx="0">
-            <a:schemeClr val="accent1"/>
-          </a:effectRef>
-          <a:fontRef idx="minor">
-            <a:schemeClr val="lt1"/>
-          </a:fontRef>
-        </p:style>
-        <p:txBody>
-          <a:bodyPr rtlCol="0" anchor="ctr"/>
-          <a:lstStyle/>
-          <a:p>
-            <a:pPr algn="ctr"/>
-            <a:endParaRPr lang="de-CH"/>
-          </a:p>
-        </p:txBody>
-      </p:sp>
-      <p:sp>
-        <p:nvSpPr>
-          <p:cNvPr id="6" name="Foliennummernplatzhalter 5">
-            <a:extLst>
-              <a:ext uri="{FF2B5EF4-FFF2-40B4-BE49-F238E27FC236}">
-                <a16:creationId xmlns:a16="http://schemas.microsoft.com/office/drawing/2014/main" id="{51E4C76E-353A-43CC-B80E-C9157FCA7D7E}"/>
-              </a:ext>
-            </a:extLst>
-          </p:cNvPr>
-          <p:cNvSpPr>
-            <a:spLocks noGrp="1"/>
-          </p:cNvSpPr>
-          <p:nvPr>
-            <p:ph type="sldNum" sz="quarter" idx="10"/>
-          </p:nvPr>
-        </p:nvSpPr>
-        <p:spPr>
-          <a:xfrm>
-            <a:off x="9059069" y="6518850"/>
-            <a:ext cx="2743200" cy="365125"/>
-          </a:xfrm>
-          <a:noFill/>
-        </p:spPr>
-        <p:txBody>
-          <a:bodyPr>
-            <a:normAutofit/>
-          </a:bodyPr>
-          <a:lstStyle/>
-          <a:p>
-            <a:pPr algn="r">
-              <a:lnSpc>
-                <a:spcPct val="90000"/>
-              </a:lnSpc>
-              <a:spcAft>
-                <a:spcPts val="600"/>
-              </a:spcAft>
-            </a:pPr>
-            <a:fld id="{36D3958B-177D-4834-A246-9F824B1D4378}" type="slidenum">
-              <a:rPr lang="de-CH" sz="800" smtClean="0">
-                <a:solidFill>
-                  <a:schemeClr val="bg1"/>
-                </a:solidFill>
-              </a:rPr>
-              <a:pPr algn="r">
-                <a:lnSpc>
-                  <a:spcPct val="90000"/>
-                </a:lnSpc>
-                <a:spcAft>
-                  <a:spcPts val="600"/>
-                </a:spcAft>
-              </a:pPr>
-              <a:t>8</a:t>
-            </a:fld>
-            <a:endParaRPr lang="de-CH" sz="800" dirty="0">
-              <a:solidFill>
-                <a:schemeClr val="bg1"/>
-              </a:solidFill>
-            </a:endParaRPr>
-          </a:p>
-        </p:txBody>
-      </p:sp>
-      <p:sp>
-        <p:nvSpPr>
-          <p:cNvPr id="2" name="TextBox 1">
-            <a:extLst>
-              <a:ext uri="{FF2B5EF4-FFF2-40B4-BE49-F238E27FC236}">
-                <a16:creationId xmlns:a16="http://schemas.microsoft.com/office/drawing/2014/main" id="{81BF31FC-9801-A686-4473-4AC6373CB0E8}"/>
-              </a:ext>
-            </a:extLst>
-          </p:cNvPr>
-          <p:cNvSpPr txBox="1"/>
-          <p:nvPr/>
-        </p:nvSpPr>
-        <p:spPr>
-          <a:xfrm>
-            <a:off x="338997" y="6157624"/>
-            <a:ext cx="6094562" cy="215444"/>
-          </a:xfrm>
-          <a:prstGeom prst="rect">
-            <a:avLst/>
-          </a:prstGeom>
-          <a:noFill/>
-        </p:spPr>
-        <p:txBody>
-          <a:bodyPr wrap="square">
-            <a:spAutoFit/>
-          </a:bodyPr>
-          <a:lstStyle/>
-          <a:p>
-            <a:pPr algn="l"/>
-            <a:r>
-              <a:rPr lang="en-US" sz="800" dirty="0">
-                <a:solidFill>
-                  <a:schemeClr val="bg1">
-                    <a:lumMod val="85000"/>
-                  </a:schemeClr>
-                </a:solidFill>
-                <a:hlinkClick r:id="rId4">
-                  <a:extLst>
-                    <a:ext uri="{A12FA001-AC4F-418D-AE19-62706E023703}">
-                      <ahyp:hlinkClr xmlns:ahyp="http://schemas.microsoft.com/office/drawing/2018/hyperlinkcolor" val="tx"/>
-                    </a:ext>
-                  </a:extLst>
-                </a:hlinkClick>
-              </a:rPr>
-              <a:t>Advanced Prompt Engineering with ChatGPT Frameworks | </a:t>
-            </a:r>
-            <a:r>
-              <a:rPr lang="en-US" sz="800" dirty="0" err="1">
-                <a:solidFill>
-                  <a:schemeClr val="bg1">
-                    <a:lumMod val="85000"/>
-                  </a:schemeClr>
-                </a:solidFill>
-                <a:hlinkClick r:id="rId4">
-                  <a:extLst>
-                    <a:ext uri="{A12FA001-AC4F-418D-AE19-62706E023703}">
-                      <ahyp:hlinkClr xmlns:ahyp="http://schemas.microsoft.com/office/drawing/2018/hyperlinkcolor" val="tx"/>
-                    </a:ext>
-                  </a:extLst>
-                </a:hlinkClick>
-              </a:rPr>
-              <a:t>Factspan</a:t>
-            </a:r>
-            <a:endParaRPr lang="de-CH" sz="800" dirty="0">
-              <a:solidFill>
-                <a:schemeClr val="bg1">
-                  <a:lumMod val="85000"/>
-                </a:schemeClr>
-              </a:solidFill>
-            </a:endParaRPr>
+              <a:rPr lang="de-CH" dirty="0"/>
+              <a:t>Retrieval </a:t>
+            </a:r>
+            <a:r>
+              <a:rPr lang="de-CH" dirty="0" err="1"/>
+              <a:t>Augmented</a:t>
+            </a:r>
+            <a:r>
+              <a:rPr lang="de-CH" dirty="0"/>
+              <a:t> Generation</a:t>
+            </a:r>
           </a:p>
         </p:txBody>
       </p:sp>
       <p:pic>
         <p:nvPicPr>
-          <p:cNvPr id="5" name="Grafik 4" descr="Ein Bild, das Text, Kreis, Visitenkarte, Screenshot enthält.&#10;&#10;Automatisch generierte Beschreibung">
-            <a:extLst>
-              <a:ext uri="{FF2B5EF4-FFF2-40B4-BE49-F238E27FC236}">
-                <a16:creationId xmlns:a16="http://schemas.microsoft.com/office/drawing/2014/main" id="{EEF1934A-2D7F-2D02-7545-4744A4A3349E}"/>
+          <p:cNvPr id="8" name="Grafik 7">
+            <a:extLst>
+              <a:ext uri="{FF2B5EF4-FFF2-40B4-BE49-F238E27FC236}">
+                <a16:creationId xmlns:a16="http://schemas.microsoft.com/office/drawing/2014/main" id="{673F4A9D-4206-052B-F0B3-1CBFC05F9802}"/>
               </a:ext>
             </a:extLst>
           </p:cNvPr>
@@ -40451,21 +39634,20 @@
           <p:nvPr/>
         </p:nvPicPr>
         <p:blipFill>
-          <a:blip r:embed="rId5">
+          <a:blip r:embed="rId3">
             <a:extLst>
               <a:ext uri="{28A0092B-C50C-407E-A947-70E740481C1C}">
                 <a14:useLocalDpi xmlns:a14="http://schemas.microsoft.com/office/drawing/2010/main" val="0"/>
               </a:ext>
             </a:extLst>
           </a:blip>
-          <a:stretch>
-            <a:fillRect/>
-          </a:stretch>
+          <a:srcRect/>
+          <a:stretch/>
         </p:blipFill>
         <p:spPr>
           <a:xfrm>
-            <a:off x="2186519" y="1591320"/>
-            <a:ext cx="7222176" cy="4003949"/>
+            <a:off x="1997280" y="1608262"/>
+            <a:ext cx="8397746" cy="4872242"/>
           </a:xfrm>
           <a:prstGeom prst="rect">
             <a:avLst/>
@@ -40475,7 +39657,7 @@
     </p:spTree>
     <p:extLst>
       <p:ext uri="{BB962C8B-B14F-4D97-AF65-F5344CB8AC3E}">
-        <p14:creationId xmlns:p14="http://schemas.microsoft.com/office/powerpoint/2010/main" val="2363043998"/>
+        <p14:creationId xmlns:p14="http://schemas.microsoft.com/office/powerpoint/2010/main" val="2178312867"/>
       </p:ext>
     </p:extLst>
   </p:cSld>
@@ -40546,10 +39728,10 @@
       </p:sp>
       <p:sp>
         <p:nvSpPr>
-          <p:cNvPr id="7" name="Titel 3">
-            <a:extLst>
-              <a:ext uri="{FF2B5EF4-FFF2-40B4-BE49-F238E27FC236}">
-                <a16:creationId xmlns:a16="http://schemas.microsoft.com/office/drawing/2014/main" id="{F509DB2F-E4F0-C730-B4EC-1505C48199C1}"/>
+          <p:cNvPr id="9" name="Titel 3">
+            <a:extLst>
+              <a:ext uri="{FF2B5EF4-FFF2-40B4-BE49-F238E27FC236}">
+                <a16:creationId xmlns:a16="http://schemas.microsoft.com/office/drawing/2014/main" id="{1A318313-E62A-B5EE-B9BA-722FADD5C946}"/>
               </a:ext>
             </a:extLst>
           </p:cNvPr>
@@ -40593,25 +39775,17 @@
           <a:p>
             <a:r>
               <a:rPr lang="de-CH" dirty="0"/>
-              <a:t>Retrieval </a:t>
-            </a:r>
-            <a:r>
-              <a:rPr lang="de-CH" dirty="0" err="1"/>
-              <a:t>Augmented</a:t>
-            </a:r>
-            <a:r>
-              <a:rPr lang="de-CH" dirty="0"/>
-              <a:t> Generation</a:t>
+              <a:t>Fine-Tuning</a:t>
             </a:r>
           </a:p>
         </p:txBody>
       </p:sp>
       <p:pic>
         <p:nvPicPr>
-          <p:cNvPr id="8" name="Grafik 7" descr="Ein Bild, das Text, Diagramm, Karte, Kreis enthält.&#10;&#10;Automatisch generierte Beschreibung">
-            <a:extLst>
-              <a:ext uri="{FF2B5EF4-FFF2-40B4-BE49-F238E27FC236}">
-                <a16:creationId xmlns:a16="http://schemas.microsoft.com/office/drawing/2014/main" id="{673F4A9D-4206-052B-F0B3-1CBFC05F9802}"/>
+          <p:cNvPr id="4" name="Grafik 3">
+            <a:extLst>
+              <a:ext uri="{FF2B5EF4-FFF2-40B4-BE49-F238E27FC236}">
+                <a16:creationId xmlns:a16="http://schemas.microsoft.com/office/drawing/2014/main" id="{E10E84F2-383F-181D-080B-789B2F49D623}"/>
               </a:ext>
             </a:extLst>
           </p:cNvPr>
@@ -40628,14 +39802,13 @@
               </a:ext>
             </a:extLst>
           </a:blip>
-          <a:stretch>
-            <a:fillRect/>
-          </a:stretch>
+          <a:srcRect/>
+          <a:stretch/>
         </p:blipFill>
         <p:spPr>
           <a:xfrm>
-            <a:off x="2315329" y="1473712"/>
-            <a:ext cx="8397746" cy="5141343"/>
+            <a:off x="923035" y="1969253"/>
+            <a:ext cx="9580287" cy="3291860"/>
           </a:xfrm>
           <a:prstGeom prst="rect">
             <a:avLst/>
@@ -40645,7 +39818,7 @@
     </p:spTree>
     <p:extLst>
       <p:ext uri="{BB962C8B-B14F-4D97-AF65-F5344CB8AC3E}">
-        <p14:creationId xmlns:p14="http://schemas.microsoft.com/office/powerpoint/2010/main" val="2178312867"/>
+        <p14:creationId xmlns:p14="http://schemas.microsoft.com/office/powerpoint/2010/main" val="141913729"/>
       </p:ext>
     </p:extLst>
   </p:cSld>
@@ -41164,27 +40337,6 @@
 </file>
 
 <file path=customXml/item1.xml><?xml version="1.0" encoding="utf-8"?>
-<p:properties xmlns:p="http://schemas.microsoft.com/office/2006/metadata/properties" xmlns:xsi="http://www.w3.org/2001/XMLSchema-instance" xmlns:pc="http://schemas.microsoft.com/office/infopath/2007/PartnerControls">
-  <documentManagement>
-    <TaxCatchAll xmlns="3afb6f90-0e9c-4b95-a6f2-66f91d216016" xsi:nil="true"/>
-    <Kommentar xmlns="8ba62c50-c95b-4e89-bb7a-bb76646a261a" xsi:nil="true"/>
-    <lcf76f155ced4ddcb4097134ff3c332f xmlns="8ba62c50-c95b-4e89-bb7a-bb76646a261a">
-      <Terms xmlns="http://schemas.microsoft.com/office/infopath/2007/PartnerControls"/>
-    </lcf76f155ced4ddcb4097134ff3c332f>
-  </documentManagement>
-</p:properties>
-</file>
-
-<file path=customXml/item2.xml><?xml version="1.0" encoding="utf-8"?>
-<?mso-contentType ?>
-<FormTemplates xmlns="http://schemas.microsoft.com/sharepoint/v3/contenttype/forms">
-  <Display>DocumentLibraryForm</Display>
-  <Edit>DocumentLibraryForm</Edit>
-  <New>DocumentLibraryForm</New>
-</FormTemplates>
-</file>
-
-<file path=customXml/item3.xml><?xml version="1.0" encoding="utf-8"?>
 <ct:contentTypeSchema xmlns:ct="http://schemas.microsoft.com/office/2006/metadata/contentType" xmlns:ma="http://schemas.microsoft.com/office/2006/metadata/properties/metaAttributes" ct:_="" ma:_="" ma:contentTypeName="Dokument" ma:contentTypeID="0x01010041154E561911BA47AC2C3D630856063D" ma:contentTypeVersion="18" ma:contentTypeDescription="Ein neues Dokument erstellen." ma:contentTypeScope="" ma:versionID="6a8a75f4f67a2d4204e5f4c2e66d5581">
   <xsd:schema xmlns:xsd="http://www.w3.org/2001/XMLSchema" xmlns:xs="http://www.w3.org/2001/XMLSchema" xmlns:p="http://schemas.microsoft.com/office/2006/metadata/properties" xmlns:ns2="8ba62c50-c95b-4e89-bb7a-bb76646a261a" xmlns:ns3="8a067bc8-24c0-4d93-8636-5582381edb12" xmlns:ns4="3afb6f90-0e9c-4b95-a6f2-66f91d216016" targetNamespace="http://schemas.microsoft.com/office/2006/metadata/properties" ma:root="true" ma:fieldsID="f3bf34a226cc19e7bd306c96620f86be" ns2:_="" ns3:_="" ns4:_="">
     <xsd:import namespace="8ba62c50-c95b-4e89-bb7a-bb76646a261a"/>
@@ -41440,34 +40592,28 @@
 </ct:contentTypeSchema>
 </file>
 
-<file path=customXml/itemProps1.xml><?xml version="1.0" encoding="utf-8"?>
-<ds:datastoreItem xmlns:ds="http://schemas.openxmlformats.org/officeDocument/2006/customXml" ds:itemID="{9731CC2C-307A-41DE-B623-5B1FEAEF73DE}">
-  <ds:schemaRefs>
-    <ds:schemaRef ds:uri="http://schemas.openxmlformats.org/package/2006/metadata/core-properties"/>
-    <ds:schemaRef ds:uri="http://purl.org/dc/terms/"/>
-    <ds:schemaRef ds:uri="http://schemas.microsoft.com/office/infopath/2007/PartnerControls"/>
-    <ds:schemaRef ds:uri="http://schemas.microsoft.com/office/2006/documentManagement/types"/>
-    <ds:schemaRef ds:uri="a2f78069-b4bc-483d-b9ba-ed8d9cea1b16"/>
-    <ds:schemaRef ds:uri="http://purl.org/dc/elements/1.1/"/>
-    <ds:schemaRef ds:uri="http://schemas.microsoft.com/office/2006/metadata/properties"/>
-    <ds:schemaRef ds:uri="3afb6f90-0e9c-4b95-a6f2-66f91d216016"/>
-    <ds:schemaRef ds:uri="34a97606-9578-4b84-b7ae-5b95e6298668"/>
-    <ds:schemaRef ds:uri="http://www.w3.org/XML/1998/namespace"/>
-    <ds:schemaRef ds:uri="http://purl.org/dc/dcmitype/"/>
-    <ds:schemaRef ds:uri="8ba62c50-c95b-4e89-bb7a-bb76646a261a"/>
-  </ds:schemaRefs>
-</ds:datastoreItem>
+<file path=customXml/item2.xml><?xml version="1.0" encoding="utf-8"?>
+<?mso-contentType ?>
+<FormTemplates xmlns="http://schemas.microsoft.com/sharepoint/v3/contenttype/forms">
+  <Display>DocumentLibraryForm</Display>
+  <Edit>DocumentLibraryForm</Edit>
+  <New>DocumentLibraryForm</New>
+</FormTemplates>
 </file>
 
-<file path=customXml/itemProps2.xml><?xml version="1.0" encoding="utf-8"?>
-<ds:datastoreItem xmlns:ds="http://schemas.openxmlformats.org/officeDocument/2006/customXml" ds:itemID="{6F12BE8B-1EFD-4FB5-87BB-48980C28DD17}">
-  <ds:schemaRefs>
-    <ds:schemaRef ds:uri="http://schemas.microsoft.com/sharepoint/v3/contenttype/forms"/>
-  </ds:schemaRefs>
-</ds:datastoreItem>
+<file path=customXml/item3.xml><?xml version="1.0" encoding="utf-8"?>
+<p:properties xmlns:p="http://schemas.microsoft.com/office/2006/metadata/properties" xmlns:xsi="http://www.w3.org/2001/XMLSchema-instance" xmlns:pc="http://schemas.microsoft.com/office/infopath/2007/PartnerControls">
+  <documentManagement>
+    <TaxCatchAll xmlns="3afb6f90-0e9c-4b95-a6f2-66f91d216016" xsi:nil="true"/>
+    <Kommentar xmlns="8ba62c50-c95b-4e89-bb7a-bb76646a261a" xsi:nil="true"/>
+    <lcf76f155ced4ddcb4097134ff3c332f xmlns="8ba62c50-c95b-4e89-bb7a-bb76646a261a">
+      <Terms xmlns="http://schemas.microsoft.com/office/infopath/2007/PartnerControls"/>
+    </lcf76f155ced4ddcb4097134ff3c332f>
+  </documentManagement>
+</p:properties>
 </file>
 
-<file path=customXml/itemProps3.xml><?xml version="1.0" encoding="utf-8"?>
+<file path=customXml/itemProps1.xml><?xml version="1.0" encoding="utf-8"?>
 <ds:datastoreItem xmlns:ds="http://schemas.openxmlformats.org/officeDocument/2006/customXml" ds:itemID="{3BC53519-91B2-464F-8B90-252D63987977}">
   <ds:schemaRefs>
     <ds:schemaRef ds:uri="http://schemas.microsoft.com/office/2006/metadata/contentType"/>
@@ -41485,4 +40631,31 @@
     <ds:schemaRef ds:uri="http://schemas.microsoft.com/internal/obd"/>
   </ds:schemaRefs>
 </ds:datastoreItem>
+</file>
+
+<file path=customXml/itemProps2.xml><?xml version="1.0" encoding="utf-8"?>
+<ds:datastoreItem xmlns:ds="http://schemas.openxmlformats.org/officeDocument/2006/customXml" ds:itemID="{6F12BE8B-1EFD-4FB5-87BB-48980C28DD17}">
+  <ds:schemaRefs>
+    <ds:schemaRef ds:uri="http://schemas.microsoft.com/sharepoint/v3/contenttype/forms"/>
+  </ds:schemaRefs>
+</ds:datastoreItem>
+</file>
+
+<file path=customXml/itemProps3.xml><?xml version="1.0" encoding="utf-8"?>
+<ds:datastoreItem xmlns:ds="http://schemas.openxmlformats.org/officeDocument/2006/customXml" ds:itemID="{9731CC2C-307A-41DE-B623-5B1FEAEF73DE}">
+  <ds:schemaRefs>
+    <ds:schemaRef ds:uri="http://schemas.openxmlformats.org/package/2006/metadata/core-properties"/>
+    <ds:schemaRef ds:uri="http://purl.org/dc/terms/"/>
+    <ds:schemaRef ds:uri="http://schemas.microsoft.com/office/infopath/2007/PartnerControls"/>
+    <ds:schemaRef ds:uri="http://schemas.microsoft.com/office/2006/documentManagement/types"/>
+    <ds:schemaRef ds:uri="a2f78069-b4bc-483d-b9ba-ed8d9cea1b16"/>
+    <ds:schemaRef ds:uri="http://purl.org/dc/elements/1.1/"/>
+    <ds:schemaRef ds:uri="http://schemas.microsoft.com/office/2006/metadata/properties"/>
+    <ds:schemaRef ds:uri="3afb6f90-0e9c-4b95-a6f2-66f91d216016"/>
+    <ds:schemaRef ds:uri="34a97606-9578-4b84-b7ae-5b95e6298668"/>
+    <ds:schemaRef ds:uri="http://www.w3.org/XML/1998/namespace"/>
+    <ds:schemaRef ds:uri="http://purl.org/dc/dcmitype/"/>
+    <ds:schemaRef ds:uri="8ba62c50-c95b-4e89-bb7a-bb76646a261a"/>
+  </ds:schemaRefs>
+</ds:datastoreItem>
 </file>